--- a/3/process.pptx
+++ b/3/process.pptx
@@ -2,19 +2,19 @@
 <file path=ppt/presentation.xml><?xml version="1.0" encoding="utf-8"?>
 <p:presentation xmlns:a="http://schemas.openxmlformats.org/drawingml/2006/main" xmlns:r="http://schemas.openxmlformats.org/officeDocument/2006/relationships" xmlns:p="http://schemas.openxmlformats.org/presentationml/2006/main" saveSubsetFonts="1">
   <p:sldMasterIdLst>
-    <p:sldMasterId id="2147483648" r:id="rId1"/>
+    <p:sldMasterId id="2147483672" r:id="rId1"/>
   </p:sldMasterIdLst>
   <p:sldIdLst>
     <p:sldId id="256" r:id="rId2"/>
   </p:sldIdLst>
-  <p:sldSz cx="12192000" cy="6858000"/>
+  <p:sldSz cx="5040313" cy="5759450"/>
   <p:notesSz cx="6858000" cy="9144000"/>
   <p:defaultTextStyle>
     <a:defPPr>
       <a:defRPr lang="zh-CN"/>
     </a:defPPr>
-    <a:lvl1pPr marL="0" algn="l" defTabSz="914400" rtl="0" eaLnBrk="1" latinLnBrk="0" hangingPunct="1">
-      <a:defRPr sz="1800" kern="1200">
+    <a:lvl1pPr marL="0" algn="l" defTabSz="540959" rtl="0" eaLnBrk="1" latinLnBrk="0" hangingPunct="1">
+      <a:defRPr sz="1065" kern="1200">
         <a:solidFill>
           <a:schemeClr val="tx1"/>
         </a:solidFill>
@@ -23,8 +23,8 @@
         <a:cs typeface="+mn-cs"/>
       </a:defRPr>
     </a:lvl1pPr>
-    <a:lvl2pPr marL="457200" algn="l" defTabSz="914400" rtl="0" eaLnBrk="1" latinLnBrk="0" hangingPunct="1">
-      <a:defRPr sz="1800" kern="1200">
+    <a:lvl2pPr marL="270480" algn="l" defTabSz="540959" rtl="0" eaLnBrk="1" latinLnBrk="0" hangingPunct="1">
+      <a:defRPr sz="1065" kern="1200">
         <a:solidFill>
           <a:schemeClr val="tx1"/>
         </a:solidFill>
@@ -33,8 +33,8 @@
         <a:cs typeface="+mn-cs"/>
       </a:defRPr>
     </a:lvl2pPr>
-    <a:lvl3pPr marL="914400" algn="l" defTabSz="914400" rtl="0" eaLnBrk="1" latinLnBrk="0" hangingPunct="1">
-      <a:defRPr sz="1800" kern="1200">
+    <a:lvl3pPr marL="540959" algn="l" defTabSz="540959" rtl="0" eaLnBrk="1" latinLnBrk="0" hangingPunct="1">
+      <a:defRPr sz="1065" kern="1200">
         <a:solidFill>
           <a:schemeClr val="tx1"/>
         </a:solidFill>
@@ -43,8 +43,8 @@
         <a:cs typeface="+mn-cs"/>
       </a:defRPr>
     </a:lvl3pPr>
-    <a:lvl4pPr marL="1371600" algn="l" defTabSz="914400" rtl="0" eaLnBrk="1" latinLnBrk="0" hangingPunct="1">
-      <a:defRPr sz="1800" kern="1200">
+    <a:lvl4pPr marL="811439" algn="l" defTabSz="540959" rtl="0" eaLnBrk="1" latinLnBrk="0" hangingPunct="1">
+      <a:defRPr sz="1065" kern="1200">
         <a:solidFill>
           <a:schemeClr val="tx1"/>
         </a:solidFill>
@@ -53,8 +53,8 @@
         <a:cs typeface="+mn-cs"/>
       </a:defRPr>
     </a:lvl4pPr>
-    <a:lvl5pPr marL="1828800" algn="l" defTabSz="914400" rtl="0" eaLnBrk="1" latinLnBrk="0" hangingPunct="1">
-      <a:defRPr sz="1800" kern="1200">
+    <a:lvl5pPr marL="1081918" algn="l" defTabSz="540959" rtl="0" eaLnBrk="1" latinLnBrk="0" hangingPunct="1">
+      <a:defRPr sz="1065" kern="1200">
         <a:solidFill>
           <a:schemeClr val="tx1"/>
         </a:solidFill>
@@ -63,8 +63,8 @@
         <a:cs typeface="+mn-cs"/>
       </a:defRPr>
     </a:lvl5pPr>
-    <a:lvl6pPr marL="2286000" algn="l" defTabSz="914400" rtl="0" eaLnBrk="1" latinLnBrk="0" hangingPunct="1">
-      <a:defRPr sz="1800" kern="1200">
+    <a:lvl6pPr marL="1352398" algn="l" defTabSz="540959" rtl="0" eaLnBrk="1" latinLnBrk="0" hangingPunct="1">
+      <a:defRPr sz="1065" kern="1200">
         <a:solidFill>
           <a:schemeClr val="tx1"/>
         </a:solidFill>
@@ -73,8 +73,8 @@
         <a:cs typeface="+mn-cs"/>
       </a:defRPr>
     </a:lvl6pPr>
-    <a:lvl7pPr marL="2743200" algn="l" defTabSz="914400" rtl="0" eaLnBrk="1" latinLnBrk="0" hangingPunct="1">
-      <a:defRPr sz="1800" kern="1200">
+    <a:lvl7pPr marL="1622877" algn="l" defTabSz="540959" rtl="0" eaLnBrk="1" latinLnBrk="0" hangingPunct="1">
+      <a:defRPr sz="1065" kern="1200">
         <a:solidFill>
           <a:schemeClr val="tx1"/>
         </a:solidFill>
@@ -83,8 +83,8 @@
         <a:cs typeface="+mn-cs"/>
       </a:defRPr>
     </a:lvl7pPr>
-    <a:lvl8pPr marL="3200400" algn="l" defTabSz="914400" rtl="0" eaLnBrk="1" latinLnBrk="0" hangingPunct="1">
-      <a:defRPr sz="1800" kern="1200">
+    <a:lvl8pPr marL="1893357" algn="l" defTabSz="540959" rtl="0" eaLnBrk="1" latinLnBrk="0" hangingPunct="1">
+      <a:defRPr sz="1065" kern="1200">
         <a:solidFill>
           <a:schemeClr val="tx1"/>
         </a:solidFill>
@@ -93,8 +93,8 @@
         <a:cs typeface="+mn-cs"/>
       </a:defRPr>
     </a:lvl8pPr>
-    <a:lvl9pPr marL="3657600" algn="l" defTabSz="914400" rtl="0" eaLnBrk="1" latinLnBrk="0" hangingPunct="1">
-      <a:defRPr sz="1800" kern="1200">
+    <a:lvl9pPr marL="2163836" algn="l" defTabSz="540959" rtl="0" eaLnBrk="1" latinLnBrk="0" hangingPunct="1">
+      <a:defRPr sz="1065" kern="1200">
         <a:solidFill>
           <a:schemeClr val="tx1"/>
         </a:solidFill>
@@ -126,7 +126,7 @@
       </p:grpSpPr>
       <p:sp>
         <p:nvSpPr>
-          <p:cNvPr id="2" name="标题 1"/>
+          <p:cNvPr id="2" name="Title 1"/>
           <p:cNvSpPr>
             <a:spLocks noGrp="1"/>
           </p:cNvSpPr>
@@ -136,15 +136,15 @@
         </p:nvSpPr>
         <p:spPr>
           <a:xfrm>
-            <a:off x="1524000" y="1122363"/>
-            <a:ext cx="9144000" cy="2387600"/>
+            <a:off x="378024" y="942577"/>
+            <a:ext cx="4284266" cy="2005142"/>
           </a:xfrm>
         </p:spPr>
         <p:txBody>
           <a:bodyPr anchor="b"/>
           <a:lstStyle>
             <a:lvl1pPr algn="ctr">
-              <a:defRPr sz="6000"/>
+              <a:defRPr sz="3307"/>
             </a:lvl1pPr>
           </a:lstStyle>
           <a:p>
@@ -152,13 +152,13 @@
               <a:rPr lang="zh-CN" altLang="en-US" smtClean="0"/>
               <a:t>单击此处编辑母版标题样式</a:t>
             </a:r>
-            <a:endParaRPr lang="zh-CN" altLang="en-US"/>
-          </a:p>
-        </p:txBody>
-      </p:sp>
-      <p:sp>
-        <p:nvSpPr>
-          <p:cNvPr id="3" name="副标题 2"/>
+            <a:endParaRPr lang="en-US" dirty="0"/>
+          </a:p>
+        </p:txBody>
+      </p:sp>
+      <p:sp>
+        <p:nvSpPr>
+          <p:cNvPr id="3" name="Subtitle 2"/>
           <p:cNvSpPr>
             <a:spLocks noGrp="1"/>
           </p:cNvSpPr>
@@ -168,8 +168,8 @@
         </p:nvSpPr>
         <p:spPr>
           <a:xfrm>
-            <a:off x="1524000" y="3602038"/>
-            <a:ext cx="9144000" cy="1655762"/>
+            <a:off x="630039" y="3025045"/>
+            <a:ext cx="3780235" cy="1390533"/>
           </a:xfrm>
         </p:spPr>
         <p:txBody>
@@ -177,39 +177,39 @@
           <a:lstStyle>
             <a:lvl1pPr marL="0" indent="0" algn="ctr">
               <a:buNone/>
-              <a:defRPr sz="2400"/>
+              <a:defRPr sz="1323"/>
             </a:lvl1pPr>
-            <a:lvl2pPr marL="457200" indent="0" algn="ctr">
-              <a:buNone/>
-              <a:defRPr sz="2000"/>
+            <a:lvl2pPr marL="252009" indent="0" algn="ctr">
+              <a:buNone/>
+              <a:defRPr sz="1102"/>
             </a:lvl2pPr>
-            <a:lvl3pPr marL="914400" indent="0" algn="ctr">
-              <a:buNone/>
-              <a:defRPr sz="1800"/>
+            <a:lvl3pPr marL="504017" indent="0" algn="ctr">
+              <a:buNone/>
+              <a:defRPr sz="992"/>
             </a:lvl3pPr>
-            <a:lvl4pPr marL="1371600" indent="0" algn="ctr">
-              <a:buNone/>
-              <a:defRPr sz="1600"/>
+            <a:lvl4pPr marL="756026" indent="0" algn="ctr">
+              <a:buNone/>
+              <a:defRPr sz="882"/>
             </a:lvl4pPr>
-            <a:lvl5pPr marL="1828800" indent="0" algn="ctr">
-              <a:buNone/>
-              <a:defRPr sz="1600"/>
+            <a:lvl5pPr marL="1008035" indent="0" algn="ctr">
+              <a:buNone/>
+              <a:defRPr sz="882"/>
             </a:lvl5pPr>
-            <a:lvl6pPr marL="2286000" indent="0" algn="ctr">
-              <a:buNone/>
-              <a:defRPr sz="1600"/>
+            <a:lvl6pPr marL="1260043" indent="0" algn="ctr">
+              <a:buNone/>
+              <a:defRPr sz="882"/>
             </a:lvl6pPr>
-            <a:lvl7pPr marL="2743200" indent="0" algn="ctr">
-              <a:buNone/>
-              <a:defRPr sz="1600"/>
+            <a:lvl7pPr marL="1512052" indent="0" algn="ctr">
+              <a:buNone/>
+              <a:defRPr sz="882"/>
             </a:lvl7pPr>
-            <a:lvl8pPr marL="3200400" indent="0" algn="ctr">
-              <a:buNone/>
-              <a:defRPr sz="1600"/>
+            <a:lvl8pPr marL="1764060" indent="0" algn="ctr">
+              <a:buNone/>
+              <a:defRPr sz="882"/>
             </a:lvl8pPr>
-            <a:lvl9pPr marL="3657600" indent="0" algn="ctr">
-              <a:buNone/>
-              <a:defRPr sz="1600"/>
+            <a:lvl9pPr marL="2016069" indent="0" algn="ctr">
+              <a:buNone/>
+              <a:defRPr sz="882"/>
             </a:lvl9pPr>
           </a:lstStyle>
           <a:p>
@@ -217,13 +217,13 @@
               <a:rPr lang="zh-CN" altLang="en-US" smtClean="0"/>
               <a:t>单击此处编辑母版副标题样式</a:t>
             </a:r>
-            <a:endParaRPr lang="zh-CN" altLang="en-US"/>
-          </a:p>
-        </p:txBody>
-      </p:sp>
-      <p:sp>
-        <p:nvSpPr>
-          <p:cNvPr id="4" name="日期占位符 3"/>
+            <a:endParaRPr lang="en-US" dirty="0"/>
+          </a:p>
+        </p:txBody>
+      </p:sp>
+      <p:sp>
+        <p:nvSpPr>
+          <p:cNvPr id="4" name="Date Placeholder 3"/>
           <p:cNvSpPr>
             <a:spLocks noGrp="1"/>
           </p:cNvSpPr>
@@ -246,7 +246,7 @@
       </p:sp>
       <p:sp>
         <p:nvSpPr>
-          <p:cNvPr id="5" name="页脚占位符 4"/>
+          <p:cNvPr id="5" name="Footer Placeholder 4"/>
           <p:cNvSpPr>
             <a:spLocks noGrp="1"/>
           </p:cNvSpPr>
@@ -265,7 +265,7 @@
       </p:sp>
       <p:sp>
         <p:nvSpPr>
-          <p:cNvPr id="6" name="灯片编号占位符 5"/>
+          <p:cNvPr id="6" name="Slide Number Placeholder 5"/>
           <p:cNvSpPr>
             <a:spLocks noGrp="1"/>
           </p:cNvSpPr>
@@ -289,7 +289,7 @@
     </p:spTree>
     <p:extLst>
       <p:ext uri="{BB962C8B-B14F-4D97-AF65-F5344CB8AC3E}">
-        <p14:creationId xmlns:p14="http://schemas.microsoft.com/office/powerpoint/2010/main" val="2014254036"/>
+        <p14:creationId xmlns:p14="http://schemas.microsoft.com/office/powerpoint/2010/main" val="3087115007"/>
       </p:ext>
     </p:extLst>
   </p:cSld>
@@ -318,7 +318,7 @@
       </p:grpSpPr>
       <p:sp>
         <p:nvSpPr>
-          <p:cNvPr id="2" name="标题 1"/>
+          <p:cNvPr id="2" name="Title 1"/>
           <p:cNvSpPr>
             <a:spLocks noGrp="1"/>
           </p:cNvSpPr>
@@ -335,13 +335,13 @@
               <a:rPr lang="zh-CN" altLang="en-US" smtClean="0"/>
               <a:t>单击此处编辑母版标题样式</a:t>
             </a:r>
-            <a:endParaRPr lang="zh-CN" altLang="en-US"/>
-          </a:p>
-        </p:txBody>
-      </p:sp>
-      <p:sp>
-        <p:nvSpPr>
-          <p:cNvPr id="3" name="竖排文字占位符 2"/>
+            <a:endParaRPr lang="en-US" dirty="0"/>
+          </a:p>
+        </p:txBody>
+      </p:sp>
+      <p:sp>
+        <p:nvSpPr>
+          <p:cNvPr id="3" name="Vertical Text Placeholder 2"/>
           <p:cNvSpPr>
             <a:spLocks noGrp="1"/>
           </p:cNvSpPr>
@@ -387,13 +387,13 @@
               <a:rPr lang="zh-CN" altLang="en-US" smtClean="0"/>
               <a:t>第五级</a:t>
             </a:r>
-            <a:endParaRPr lang="zh-CN" altLang="en-US"/>
-          </a:p>
-        </p:txBody>
-      </p:sp>
-      <p:sp>
-        <p:nvSpPr>
-          <p:cNvPr id="4" name="日期占位符 3"/>
+            <a:endParaRPr lang="en-US" dirty="0"/>
+          </a:p>
+        </p:txBody>
+      </p:sp>
+      <p:sp>
+        <p:nvSpPr>
+          <p:cNvPr id="4" name="Date Placeholder 3"/>
           <p:cNvSpPr>
             <a:spLocks noGrp="1"/>
           </p:cNvSpPr>
@@ -416,7 +416,7 @@
       </p:sp>
       <p:sp>
         <p:nvSpPr>
-          <p:cNvPr id="5" name="页脚占位符 4"/>
+          <p:cNvPr id="5" name="Footer Placeholder 4"/>
           <p:cNvSpPr>
             <a:spLocks noGrp="1"/>
           </p:cNvSpPr>
@@ -435,7 +435,7 @@
       </p:sp>
       <p:sp>
         <p:nvSpPr>
-          <p:cNvPr id="6" name="灯片编号占位符 5"/>
+          <p:cNvPr id="6" name="Slide Number Placeholder 5"/>
           <p:cNvSpPr>
             <a:spLocks noGrp="1"/>
           </p:cNvSpPr>
@@ -459,7 +459,7 @@
     </p:spTree>
     <p:extLst>
       <p:ext uri="{BB962C8B-B14F-4D97-AF65-F5344CB8AC3E}">
-        <p14:creationId xmlns:p14="http://schemas.microsoft.com/office/powerpoint/2010/main" val="745525821"/>
+        <p14:creationId xmlns:p14="http://schemas.microsoft.com/office/powerpoint/2010/main" val="2257683079"/>
       </p:ext>
     </p:extLst>
   </p:cSld>
@@ -488,7 +488,7 @@
       </p:grpSpPr>
       <p:sp>
         <p:nvSpPr>
-          <p:cNvPr id="2" name="竖排标题 1"/>
+          <p:cNvPr id="2" name="Vertical Title 1"/>
           <p:cNvSpPr>
             <a:spLocks noGrp="1"/>
           </p:cNvSpPr>
@@ -498,8 +498,8 @@
         </p:nvSpPr>
         <p:spPr>
           <a:xfrm>
-            <a:off x="8724900" y="365125"/>
-            <a:ext cx="2628900" cy="5811838"/>
+            <a:off x="3606975" y="306637"/>
+            <a:ext cx="1086817" cy="4880868"/>
           </a:xfrm>
         </p:spPr>
         <p:txBody>
@@ -510,13 +510,13 @@
               <a:rPr lang="zh-CN" altLang="en-US" smtClean="0"/>
               <a:t>单击此处编辑母版标题样式</a:t>
             </a:r>
-            <a:endParaRPr lang="zh-CN" altLang="en-US"/>
-          </a:p>
-        </p:txBody>
-      </p:sp>
-      <p:sp>
-        <p:nvSpPr>
-          <p:cNvPr id="3" name="竖排文字占位符 2"/>
+            <a:endParaRPr lang="en-US" dirty="0"/>
+          </a:p>
+        </p:txBody>
+      </p:sp>
+      <p:sp>
+        <p:nvSpPr>
+          <p:cNvPr id="3" name="Vertical Text Placeholder 2"/>
           <p:cNvSpPr>
             <a:spLocks noGrp="1"/>
           </p:cNvSpPr>
@@ -526,8 +526,8 @@
         </p:nvSpPr>
         <p:spPr>
           <a:xfrm>
-            <a:off x="838200" y="365125"/>
-            <a:ext cx="7734300" cy="5811838"/>
+            <a:off x="346522" y="306637"/>
+            <a:ext cx="3197449" cy="4880868"/>
           </a:xfrm>
         </p:spPr>
         <p:txBody>
@@ -567,13 +567,13 @@
               <a:rPr lang="zh-CN" altLang="en-US" smtClean="0"/>
               <a:t>第五级</a:t>
             </a:r>
-            <a:endParaRPr lang="zh-CN" altLang="en-US"/>
-          </a:p>
-        </p:txBody>
-      </p:sp>
-      <p:sp>
-        <p:nvSpPr>
-          <p:cNvPr id="4" name="日期占位符 3"/>
+            <a:endParaRPr lang="en-US" dirty="0"/>
+          </a:p>
+        </p:txBody>
+      </p:sp>
+      <p:sp>
+        <p:nvSpPr>
+          <p:cNvPr id="4" name="Date Placeholder 3"/>
           <p:cNvSpPr>
             <a:spLocks noGrp="1"/>
           </p:cNvSpPr>
@@ -596,7 +596,7 @@
       </p:sp>
       <p:sp>
         <p:nvSpPr>
-          <p:cNvPr id="5" name="页脚占位符 4"/>
+          <p:cNvPr id="5" name="Footer Placeholder 4"/>
           <p:cNvSpPr>
             <a:spLocks noGrp="1"/>
           </p:cNvSpPr>
@@ -615,7 +615,7 @@
       </p:sp>
       <p:sp>
         <p:nvSpPr>
-          <p:cNvPr id="6" name="灯片编号占位符 5"/>
+          <p:cNvPr id="6" name="Slide Number Placeholder 5"/>
           <p:cNvSpPr>
             <a:spLocks noGrp="1"/>
           </p:cNvSpPr>
@@ -639,7 +639,7 @@
     </p:spTree>
     <p:extLst>
       <p:ext uri="{BB962C8B-B14F-4D97-AF65-F5344CB8AC3E}">
-        <p14:creationId xmlns:p14="http://schemas.microsoft.com/office/powerpoint/2010/main" val="4052723547"/>
+        <p14:creationId xmlns:p14="http://schemas.microsoft.com/office/powerpoint/2010/main" val="2675190917"/>
       </p:ext>
     </p:extLst>
   </p:cSld>
@@ -668,7 +668,7 @@
       </p:grpSpPr>
       <p:sp>
         <p:nvSpPr>
-          <p:cNvPr id="2" name="标题 1"/>
+          <p:cNvPr id="2" name="Title 1"/>
           <p:cNvSpPr>
             <a:spLocks noGrp="1"/>
           </p:cNvSpPr>
@@ -685,13 +685,13 @@
               <a:rPr lang="zh-CN" altLang="en-US" smtClean="0"/>
               <a:t>单击此处编辑母版标题样式</a:t>
             </a:r>
-            <a:endParaRPr lang="zh-CN" altLang="en-US"/>
-          </a:p>
-        </p:txBody>
-      </p:sp>
-      <p:sp>
-        <p:nvSpPr>
-          <p:cNvPr id="3" name="内容占位符 2"/>
+            <a:endParaRPr lang="en-US" dirty="0"/>
+          </a:p>
+        </p:txBody>
+      </p:sp>
+      <p:sp>
+        <p:nvSpPr>
+          <p:cNvPr id="3" name="Content Placeholder 2"/>
           <p:cNvSpPr>
             <a:spLocks noGrp="1"/>
           </p:cNvSpPr>
@@ -737,13 +737,13 @@
               <a:rPr lang="zh-CN" altLang="en-US" smtClean="0"/>
               <a:t>第五级</a:t>
             </a:r>
-            <a:endParaRPr lang="zh-CN" altLang="en-US"/>
-          </a:p>
-        </p:txBody>
-      </p:sp>
-      <p:sp>
-        <p:nvSpPr>
-          <p:cNvPr id="4" name="日期占位符 3"/>
+            <a:endParaRPr lang="en-US" dirty="0"/>
+          </a:p>
+        </p:txBody>
+      </p:sp>
+      <p:sp>
+        <p:nvSpPr>
+          <p:cNvPr id="4" name="Date Placeholder 3"/>
           <p:cNvSpPr>
             <a:spLocks noGrp="1"/>
           </p:cNvSpPr>
@@ -766,7 +766,7 @@
       </p:sp>
       <p:sp>
         <p:nvSpPr>
-          <p:cNvPr id="5" name="页脚占位符 4"/>
+          <p:cNvPr id="5" name="Footer Placeholder 4"/>
           <p:cNvSpPr>
             <a:spLocks noGrp="1"/>
           </p:cNvSpPr>
@@ -785,7 +785,7 @@
       </p:sp>
       <p:sp>
         <p:nvSpPr>
-          <p:cNvPr id="6" name="灯片编号占位符 5"/>
+          <p:cNvPr id="6" name="Slide Number Placeholder 5"/>
           <p:cNvSpPr>
             <a:spLocks noGrp="1"/>
           </p:cNvSpPr>
@@ -809,7 +809,7 @@
     </p:spTree>
     <p:extLst>
       <p:ext uri="{BB962C8B-B14F-4D97-AF65-F5344CB8AC3E}">
-        <p14:creationId xmlns:p14="http://schemas.microsoft.com/office/powerpoint/2010/main" val="142759161"/>
+        <p14:creationId xmlns:p14="http://schemas.microsoft.com/office/powerpoint/2010/main" val="3192637230"/>
       </p:ext>
     </p:extLst>
   </p:cSld>
@@ -838,7 +838,7 @@
       </p:grpSpPr>
       <p:sp>
         <p:nvSpPr>
-          <p:cNvPr id="2" name="标题 1"/>
+          <p:cNvPr id="2" name="Title 1"/>
           <p:cNvSpPr>
             <a:spLocks noGrp="1"/>
           </p:cNvSpPr>
@@ -848,15 +848,15 @@
         </p:nvSpPr>
         <p:spPr>
           <a:xfrm>
-            <a:off x="831850" y="1709738"/>
-            <a:ext cx="10515600" cy="2852737"/>
+            <a:off x="343897" y="1435864"/>
+            <a:ext cx="4347270" cy="2395771"/>
           </a:xfrm>
         </p:spPr>
         <p:txBody>
           <a:bodyPr anchor="b"/>
           <a:lstStyle>
             <a:lvl1pPr>
-              <a:defRPr sz="6000"/>
+              <a:defRPr sz="3307"/>
             </a:lvl1pPr>
           </a:lstStyle>
           <a:p>
@@ -864,13 +864,13 @@
               <a:rPr lang="zh-CN" altLang="en-US" smtClean="0"/>
               <a:t>单击此处编辑母版标题样式</a:t>
             </a:r>
-            <a:endParaRPr lang="zh-CN" altLang="en-US"/>
-          </a:p>
-        </p:txBody>
-      </p:sp>
-      <p:sp>
-        <p:nvSpPr>
-          <p:cNvPr id="3" name="文本占位符 2"/>
+            <a:endParaRPr lang="en-US" dirty="0"/>
+          </a:p>
+        </p:txBody>
+      </p:sp>
+      <p:sp>
+        <p:nvSpPr>
+          <p:cNvPr id="3" name="Text Placeholder 2"/>
           <p:cNvSpPr>
             <a:spLocks noGrp="1"/>
           </p:cNvSpPr>
@@ -880,8 +880,8 @@
         </p:nvSpPr>
         <p:spPr>
           <a:xfrm>
-            <a:off x="831850" y="4589463"/>
-            <a:ext cx="10515600" cy="1500187"/>
+            <a:off x="343897" y="3854300"/>
+            <a:ext cx="4347270" cy="1259879"/>
           </a:xfrm>
         </p:spPr>
         <p:txBody>
@@ -889,17 +889,15 @@
           <a:lstStyle>
             <a:lvl1pPr marL="0" indent="0">
               <a:buNone/>
-              <a:defRPr sz="2400">
+              <a:defRPr sz="1323">
                 <a:solidFill>
-                  <a:schemeClr val="tx1">
-                    <a:tint val="75000"/>
-                  </a:schemeClr>
+                  <a:schemeClr val="tx1"/>
                 </a:solidFill>
               </a:defRPr>
             </a:lvl1pPr>
-            <a:lvl2pPr marL="457200" indent="0">
-              <a:buNone/>
-              <a:defRPr sz="2000">
+            <a:lvl2pPr marL="252009" indent="0">
+              <a:buNone/>
+              <a:defRPr sz="1102">
                 <a:solidFill>
                   <a:schemeClr val="tx1">
                     <a:tint val="75000"/>
@@ -907,9 +905,9 @@
                 </a:solidFill>
               </a:defRPr>
             </a:lvl2pPr>
-            <a:lvl3pPr marL="914400" indent="0">
-              <a:buNone/>
-              <a:defRPr sz="1800">
+            <a:lvl3pPr marL="504017" indent="0">
+              <a:buNone/>
+              <a:defRPr sz="992">
                 <a:solidFill>
                   <a:schemeClr val="tx1">
                     <a:tint val="75000"/>
@@ -917,9 +915,9 @@
                 </a:solidFill>
               </a:defRPr>
             </a:lvl3pPr>
-            <a:lvl4pPr marL="1371600" indent="0">
-              <a:buNone/>
-              <a:defRPr sz="1600">
+            <a:lvl4pPr marL="756026" indent="0">
+              <a:buNone/>
+              <a:defRPr sz="882">
                 <a:solidFill>
                   <a:schemeClr val="tx1">
                     <a:tint val="75000"/>
@@ -927,9 +925,9 @@
                 </a:solidFill>
               </a:defRPr>
             </a:lvl4pPr>
-            <a:lvl5pPr marL="1828800" indent="0">
-              <a:buNone/>
-              <a:defRPr sz="1600">
+            <a:lvl5pPr marL="1008035" indent="0">
+              <a:buNone/>
+              <a:defRPr sz="882">
                 <a:solidFill>
                   <a:schemeClr val="tx1">
                     <a:tint val="75000"/>
@@ -937,9 +935,9 @@
                 </a:solidFill>
               </a:defRPr>
             </a:lvl5pPr>
-            <a:lvl6pPr marL="2286000" indent="0">
-              <a:buNone/>
-              <a:defRPr sz="1600">
+            <a:lvl6pPr marL="1260043" indent="0">
+              <a:buNone/>
+              <a:defRPr sz="882">
                 <a:solidFill>
                   <a:schemeClr val="tx1">
                     <a:tint val="75000"/>
@@ -947,9 +945,9 @@
                 </a:solidFill>
               </a:defRPr>
             </a:lvl6pPr>
-            <a:lvl7pPr marL="2743200" indent="0">
-              <a:buNone/>
-              <a:defRPr sz="1600">
+            <a:lvl7pPr marL="1512052" indent="0">
+              <a:buNone/>
+              <a:defRPr sz="882">
                 <a:solidFill>
                   <a:schemeClr val="tx1">
                     <a:tint val="75000"/>
@@ -957,9 +955,9 @@
                 </a:solidFill>
               </a:defRPr>
             </a:lvl7pPr>
-            <a:lvl8pPr marL="3200400" indent="0">
-              <a:buNone/>
-              <a:defRPr sz="1600">
+            <a:lvl8pPr marL="1764060" indent="0">
+              <a:buNone/>
+              <a:defRPr sz="882">
                 <a:solidFill>
                   <a:schemeClr val="tx1">
                     <a:tint val="75000"/>
@@ -967,9 +965,9 @@
                 </a:solidFill>
               </a:defRPr>
             </a:lvl8pPr>
-            <a:lvl9pPr marL="3657600" indent="0">
-              <a:buNone/>
-              <a:defRPr sz="1600">
+            <a:lvl9pPr marL="2016069" indent="0">
+              <a:buNone/>
+              <a:defRPr sz="882">
                 <a:solidFill>
                   <a:schemeClr val="tx1">
                     <a:tint val="75000"/>
@@ -989,7 +987,7 @@
       </p:sp>
       <p:sp>
         <p:nvSpPr>
-          <p:cNvPr id="4" name="日期占位符 3"/>
+          <p:cNvPr id="4" name="Date Placeholder 3"/>
           <p:cNvSpPr>
             <a:spLocks noGrp="1"/>
           </p:cNvSpPr>
@@ -1012,7 +1010,7 @@
       </p:sp>
       <p:sp>
         <p:nvSpPr>
-          <p:cNvPr id="5" name="页脚占位符 4"/>
+          <p:cNvPr id="5" name="Footer Placeholder 4"/>
           <p:cNvSpPr>
             <a:spLocks noGrp="1"/>
           </p:cNvSpPr>
@@ -1031,7 +1029,7 @@
       </p:sp>
       <p:sp>
         <p:nvSpPr>
-          <p:cNvPr id="6" name="灯片编号占位符 5"/>
+          <p:cNvPr id="6" name="Slide Number Placeholder 5"/>
           <p:cNvSpPr>
             <a:spLocks noGrp="1"/>
           </p:cNvSpPr>
@@ -1055,7 +1053,7 @@
     </p:spTree>
     <p:extLst>
       <p:ext uri="{BB962C8B-B14F-4D97-AF65-F5344CB8AC3E}">
-        <p14:creationId xmlns:p14="http://schemas.microsoft.com/office/powerpoint/2010/main" val="3111688544"/>
+        <p14:creationId xmlns:p14="http://schemas.microsoft.com/office/powerpoint/2010/main" val="1324163447"/>
       </p:ext>
     </p:extLst>
   </p:cSld>
@@ -1084,7 +1082,7 @@
       </p:grpSpPr>
       <p:sp>
         <p:nvSpPr>
-          <p:cNvPr id="2" name="标题 1"/>
+          <p:cNvPr id="2" name="Title 1"/>
           <p:cNvSpPr>
             <a:spLocks noGrp="1"/>
           </p:cNvSpPr>
@@ -1101,13 +1099,13 @@
               <a:rPr lang="zh-CN" altLang="en-US" smtClean="0"/>
               <a:t>单击此处编辑母版标题样式</a:t>
             </a:r>
-            <a:endParaRPr lang="zh-CN" altLang="en-US"/>
-          </a:p>
-        </p:txBody>
-      </p:sp>
-      <p:sp>
-        <p:nvSpPr>
-          <p:cNvPr id="3" name="内容占位符 2"/>
+            <a:endParaRPr lang="en-US" dirty="0"/>
+          </a:p>
+        </p:txBody>
+      </p:sp>
+      <p:sp>
+        <p:nvSpPr>
+          <p:cNvPr id="3" name="Content Placeholder 2"/>
           <p:cNvSpPr>
             <a:spLocks noGrp="1"/>
           </p:cNvSpPr>
@@ -1117,8 +1115,8 @@
         </p:nvSpPr>
         <p:spPr>
           <a:xfrm>
-            <a:off x="838200" y="1825625"/>
-            <a:ext cx="5181600" cy="4351338"/>
+            <a:off x="346522" y="1533187"/>
+            <a:ext cx="2142133" cy="3654318"/>
           </a:xfrm>
         </p:spPr>
         <p:txBody>
@@ -1158,13 +1156,13 @@
               <a:rPr lang="zh-CN" altLang="en-US" smtClean="0"/>
               <a:t>第五级</a:t>
             </a:r>
-            <a:endParaRPr lang="zh-CN" altLang="en-US"/>
-          </a:p>
-        </p:txBody>
-      </p:sp>
-      <p:sp>
-        <p:nvSpPr>
-          <p:cNvPr id="4" name="内容占位符 3"/>
+            <a:endParaRPr lang="en-US" dirty="0"/>
+          </a:p>
+        </p:txBody>
+      </p:sp>
+      <p:sp>
+        <p:nvSpPr>
+          <p:cNvPr id="4" name="Content Placeholder 3"/>
           <p:cNvSpPr>
             <a:spLocks noGrp="1"/>
           </p:cNvSpPr>
@@ -1174,8 +1172,8 @@
         </p:nvSpPr>
         <p:spPr>
           <a:xfrm>
-            <a:off x="6172200" y="1825625"/>
-            <a:ext cx="5181600" cy="4351338"/>
+            <a:off x="2551658" y="1533187"/>
+            <a:ext cx="2142133" cy="3654318"/>
           </a:xfrm>
         </p:spPr>
         <p:txBody>
@@ -1215,13 +1213,13 @@
               <a:rPr lang="zh-CN" altLang="en-US" smtClean="0"/>
               <a:t>第五级</a:t>
             </a:r>
-            <a:endParaRPr lang="zh-CN" altLang="en-US"/>
-          </a:p>
-        </p:txBody>
-      </p:sp>
-      <p:sp>
-        <p:nvSpPr>
-          <p:cNvPr id="5" name="日期占位符 4"/>
+            <a:endParaRPr lang="en-US" dirty="0"/>
+          </a:p>
+        </p:txBody>
+      </p:sp>
+      <p:sp>
+        <p:nvSpPr>
+          <p:cNvPr id="5" name="Date Placeholder 4"/>
           <p:cNvSpPr>
             <a:spLocks noGrp="1"/>
           </p:cNvSpPr>
@@ -1244,7 +1242,7 @@
       </p:sp>
       <p:sp>
         <p:nvSpPr>
-          <p:cNvPr id="6" name="页脚占位符 5"/>
+          <p:cNvPr id="6" name="Footer Placeholder 5"/>
           <p:cNvSpPr>
             <a:spLocks noGrp="1"/>
           </p:cNvSpPr>
@@ -1263,7 +1261,7 @@
       </p:sp>
       <p:sp>
         <p:nvSpPr>
-          <p:cNvPr id="7" name="灯片编号占位符 6"/>
+          <p:cNvPr id="7" name="Slide Number Placeholder 6"/>
           <p:cNvSpPr>
             <a:spLocks noGrp="1"/>
           </p:cNvSpPr>
@@ -1287,7 +1285,7 @@
     </p:spTree>
     <p:extLst>
       <p:ext uri="{BB962C8B-B14F-4D97-AF65-F5344CB8AC3E}">
-        <p14:creationId xmlns:p14="http://schemas.microsoft.com/office/powerpoint/2010/main" val="2560275353"/>
+        <p14:creationId xmlns:p14="http://schemas.microsoft.com/office/powerpoint/2010/main" val="1677580575"/>
       </p:ext>
     </p:extLst>
   </p:cSld>
@@ -1316,7 +1314,7 @@
       </p:grpSpPr>
       <p:sp>
         <p:nvSpPr>
-          <p:cNvPr id="2" name="标题 1"/>
+          <p:cNvPr id="2" name="Title 1"/>
           <p:cNvSpPr>
             <a:spLocks noGrp="1"/>
           </p:cNvSpPr>
@@ -1326,8 +1324,8 @@
         </p:nvSpPr>
         <p:spPr>
           <a:xfrm>
-            <a:off x="839788" y="365125"/>
-            <a:ext cx="10515600" cy="1325563"/>
+            <a:off x="347178" y="306639"/>
+            <a:ext cx="4347270" cy="1113227"/>
           </a:xfrm>
         </p:spPr>
         <p:txBody>
@@ -1338,13 +1336,13 @@
               <a:rPr lang="zh-CN" altLang="en-US" smtClean="0"/>
               <a:t>单击此处编辑母版标题样式</a:t>
             </a:r>
-            <a:endParaRPr lang="zh-CN" altLang="en-US"/>
-          </a:p>
-        </p:txBody>
-      </p:sp>
-      <p:sp>
-        <p:nvSpPr>
-          <p:cNvPr id="3" name="文本占位符 2"/>
+            <a:endParaRPr lang="en-US" dirty="0"/>
+          </a:p>
+        </p:txBody>
+      </p:sp>
+      <p:sp>
+        <p:nvSpPr>
+          <p:cNvPr id="3" name="Text Placeholder 2"/>
           <p:cNvSpPr>
             <a:spLocks noGrp="1"/>
           </p:cNvSpPr>
@@ -1354,8 +1352,8 @@
         </p:nvSpPr>
         <p:spPr>
           <a:xfrm>
-            <a:off x="839788" y="1681163"/>
-            <a:ext cx="5157787" cy="823912"/>
+            <a:off x="347179" y="1411865"/>
+            <a:ext cx="2132288" cy="691934"/>
           </a:xfrm>
         </p:spPr>
         <p:txBody>
@@ -1363,39 +1361,39 @@
           <a:lstStyle>
             <a:lvl1pPr marL="0" indent="0">
               <a:buNone/>
-              <a:defRPr sz="2400" b="1"/>
+              <a:defRPr sz="1323" b="1"/>
             </a:lvl1pPr>
-            <a:lvl2pPr marL="457200" indent="0">
-              <a:buNone/>
-              <a:defRPr sz="2000" b="1"/>
+            <a:lvl2pPr marL="252009" indent="0">
+              <a:buNone/>
+              <a:defRPr sz="1102" b="1"/>
             </a:lvl2pPr>
-            <a:lvl3pPr marL="914400" indent="0">
-              <a:buNone/>
-              <a:defRPr sz="1800" b="1"/>
+            <a:lvl3pPr marL="504017" indent="0">
+              <a:buNone/>
+              <a:defRPr sz="992" b="1"/>
             </a:lvl3pPr>
-            <a:lvl4pPr marL="1371600" indent="0">
-              <a:buNone/>
-              <a:defRPr sz="1600" b="1"/>
+            <a:lvl4pPr marL="756026" indent="0">
+              <a:buNone/>
+              <a:defRPr sz="882" b="1"/>
             </a:lvl4pPr>
-            <a:lvl5pPr marL="1828800" indent="0">
-              <a:buNone/>
-              <a:defRPr sz="1600" b="1"/>
+            <a:lvl5pPr marL="1008035" indent="0">
+              <a:buNone/>
+              <a:defRPr sz="882" b="1"/>
             </a:lvl5pPr>
-            <a:lvl6pPr marL="2286000" indent="0">
-              <a:buNone/>
-              <a:defRPr sz="1600" b="1"/>
+            <a:lvl6pPr marL="1260043" indent="0">
+              <a:buNone/>
+              <a:defRPr sz="882" b="1"/>
             </a:lvl6pPr>
-            <a:lvl7pPr marL="2743200" indent="0">
-              <a:buNone/>
-              <a:defRPr sz="1600" b="1"/>
+            <a:lvl7pPr marL="1512052" indent="0">
+              <a:buNone/>
+              <a:defRPr sz="882" b="1"/>
             </a:lvl7pPr>
-            <a:lvl8pPr marL="3200400" indent="0">
-              <a:buNone/>
-              <a:defRPr sz="1600" b="1"/>
+            <a:lvl8pPr marL="1764060" indent="0">
+              <a:buNone/>
+              <a:defRPr sz="882" b="1"/>
             </a:lvl8pPr>
-            <a:lvl9pPr marL="3657600" indent="0">
-              <a:buNone/>
-              <a:defRPr sz="1600" b="1"/>
+            <a:lvl9pPr marL="2016069" indent="0">
+              <a:buNone/>
+              <a:defRPr sz="882" b="1"/>
             </a:lvl9pPr>
           </a:lstStyle>
           <a:p>
@@ -1409,7 +1407,7 @@
       </p:sp>
       <p:sp>
         <p:nvSpPr>
-          <p:cNvPr id="4" name="内容占位符 3"/>
+          <p:cNvPr id="4" name="Content Placeholder 3"/>
           <p:cNvSpPr>
             <a:spLocks noGrp="1"/>
           </p:cNvSpPr>
@@ -1419,8 +1417,8 @@
         </p:nvSpPr>
         <p:spPr>
           <a:xfrm>
-            <a:off x="839788" y="2505075"/>
-            <a:ext cx="5157787" cy="3684588"/>
+            <a:off x="347179" y="2103799"/>
+            <a:ext cx="2132288" cy="3094372"/>
           </a:xfrm>
         </p:spPr>
         <p:txBody>
@@ -1460,13 +1458,13 @@
               <a:rPr lang="zh-CN" altLang="en-US" smtClean="0"/>
               <a:t>第五级</a:t>
             </a:r>
-            <a:endParaRPr lang="zh-CN" altLang="en-US"/>
-          </a:p>
-        </p:txBody>
-      </p:sp>
-      <p:sp>
-        <p:nvSpPr>
-          <p:cNvPr id="5" name="文本占位符 4"/>
+            <a:endParaRPr lang="en-US" dirty="0"/>
+          </a:p>
+        </p:txBody>
+      </p:sp>
+      <p:sp>
+        <p:nvSpPr>
+          <p:cNvPr id="5" name="Text Placeholder 4"/>
           <p:cNvSpPr>
             <a:spLocks noGrp="1"/>
           </p:cNvSpPr>
@@ -1476,8 +1474,8 @@
         </p:nvSpPr>
         <p:spPr>
           <a:xfrm>
-            <a:off x="6172200" y="1681163"/>
-            <a:ext cx="5183188" cy="823912"/>
+            <a:off x="2551658" y="1411865"/>
+            <a:ext cx="2142790" cy="691934"/>
           </a:xfrm>
         </p:spPr>
         <p:txBody>
@@ -1485,39 +1483,39 @@
           <a:lstStyle>
             <a:lvl1pPr marL="0" indent="0">
               <a:buNone/>
-              <a:defRPr sz="2400" b="1"/>
+              <a:defRPr sz="1323" b="1"/>
             </a:lvl1pPr>
-            <a:lvl2pPr marL="457200" indent="0">
-              <a:buNone/>
-              <a:defRPr sz="2000" b="1"/>
+            <a:lvl2pPr marL="252009" indent="0">
+              <a:buNone/>
+              <a:defRPr sz="1102" b="1"/>
             </a:lvl2pPr>
-            <a:lvl3pPr marL="914400" indent="0">
-              <a:buNone/>
-              <a:defRPr sz="1800" b="1"/>
+            <a:lvl3pPr marL="504017" indent="0">
+              <a:buNone/>
+              <a:defRPr sz="992" b="1"/>
             </a:lvl3pPr>
-            <a:lvl4pPr marL="1371600" indent="0">
-              <a:buNone/>
-              <a:defRPr sz="1600" b="1"/>
+            <a:lvl4pPr marL="756026" indent="0">
+              <a:buNone/>
+              <a:defRPr sz="882" b="1"/>
             </a:lvl4pPr>
-            <a:lvl5pPr marL="1828800" indent="0">
-              <a:buNone/>
-              <a:defRPr sz="1600" b="1"/>
+            <a:lvl5pPr marL="1008035" indent="0">
+              <a:buNone/>
+              <a:defRPr sz="882" b="1"/>
             </a:lvl5pPr>
-            <a:lvl6pPr marL="2286000" indent="0">
-              <a:buNone/>
-              <a:defRPr sz="1600" b="1"/>
+            <a:lvl6pPr marL="1260043" indent="0">
+              <a:buNone/>
+              <a:defRPr sz="882" b="1"/>
             </a:lvl6pPr>
-            <a:lvl7pPr marL="2743200" indent="0">
-              <a:buNone/>
-              <a:defRPr sz="1600" b="1"/>
+            <a:lvl7pPr marL="1512052" indent="0">
+              <a:buNone/>
+              <a:defRPr sz="882" b="1"/>
             </a:lvl7pPr>
-            <a:lvl8pPr marL="3200400" indent="0">
-              <a:buNone/>
-              <a:defRPr sz="1600" b="1"/>
+            <a:lvl8pPr marL="1764060" indent="0">
+              <a:buNone/>
+              <a:defRPr sz="882" b="1"/>
             </a:lvl8pPr>
-            <a:lvl9pPr marL="3657600" indent="0">
-              <a:buNone/>
-              <a:defRPr sz="1600" b="1"/>
+            <a:lvl9pPr marL="2016069" indent="0">
+              <a:buNone/>
+              <a:defRPr sz="882" b="1"/>
             </a:lvl9pPr>
           </a:lstStyle>
           <a:p>
@@ -1531,7 +1529,7 @@
       </p:sp>
       <p:sp>
         <p:nvSpPr>
-          <p:cNvPr id="6" name="内容占位符 5"/>
+          <p:cNvPr id="6" name="Content Placeholder 5"/>
           <p:cNvSpPr>
             <a:spLocks noGrp="1"/>
           </p:cNvSpPr>
@@ -1541,8 +1539,8 @@
         </p:nvSpPr>
         <p:spPr>
           <a:xfrm>
-            <a:off x="6172200" y="2505075"/>
-            <a:ext cx="5183188" cy="3684588"/>
+            <a:off x="2551658" y="2103799"/>
+            <a:ext cx="2142790" cy="3094372"/>
           </a:xfrm>
         </p:spPr>
         <p:txBody>
@@ -1582,13 +1580,13 @@
               <a:rPr lang="zh-CN" altLang="en-US" smtClean="0"/>
               <a:t>第五级</a:t>
             </a:r>
-            <a:endParaRPr lang="zh-CN" altLang="en-US"/>
-          </a:p>
-        </p:txBody>
-      </p:sp>
-      <p:sp>
-        <p:nvSpPr>
-          <p:cNvPr id="7" name="日期占位符 6"/>
+            <a:endParaRPr lang="en-US" dirty="0"/>
+          </a:p>
+        </p:txBody>
+      </p:sp>
+      <p:sp>
+        <p:nvSpPr>
+          <p:cNvPr id="7" name="Date Placeholder 6"/>
           <p:cNvSpPr>
             <a:spLocks noGrp="1"/>
           </p:cNvSpPr>
@@ -1611,7 +1609,7 @@
       </p:sp>
       <p:sp>
         <p:nvSpPr>
-          <p:cNvPr id="8" name="页脚占位符 7"/>
+          <p:cNvPr id="8" name="Footer Placeholder 7"/>
           <p:cNvSpPr>
             <a:spLocks noGrp="1"/>
           </p:cNvSpPr>
@@ -1630,7 +1628,7 @@
       </p:sp>
       <p:sp>
         <p:nvSpPr>
-          <p:cNvPr id="9" name="灯片编号占位符 8"/>
+          <p:cNvPr id="9" name="Slide Number Placeholder 8"/>
           <p:cNvSpPr>
             <a:spLocks noGrp="1"/>
           </p:cNvSpPr>
@@ -1654,7 +1652,7 @@
     </p:spTree>
     <p:extLst>
       <p:ext uri="{BB962C8B-B14F-4D97-AF65-F5344CB8AC3E}">
-        <p14:creationId xmlns:p14="http://schemas.microsoft.com/office/powerpoint/2010/main" val="1212704582"/>
+        <p14:creationId xmlns:p14="http://schemas.microsoft.com/office/powerpoint/2010/main" val="1033935084"/>
       </p:ext>
     </p:extLst>
   </p:cSld>
@@ -1683,7 +1681,7 @@
       </p:grpSpPr>
       <p:sp>
         <p:nvSpPr>
-          <p:cNvPr id="2" name="标题 1"/>
+          <p:cNvPr id="2" name="Title 1"/>
           <p:cNvSpPr>
             <a:spLocks noGrp="1"/>
           </p:cNvSpPr>
@@ -1700,13 +1698,13 @@
               <a:rPr lang="zh-CN" altLang="en-US" smtClean="0"/>
               <a:t>单击此处编辑母版标题样式</a:t>
             </a:r>
-            <a:endParaRPr lang="zh-CN" altLang="en-US"/>
-          </a:p>
-        </p:txBody>
-      </p:sp>
-      <p:sp>
-        <p:nvSpPr>
-          <p:cNvPr id="3" name="日期占位符 2"/>
+            <a:endParaRPr lang="en-US" dirty="0"/>
+          </a:p>
+        </p:txBody>
+      </p:sp>
+      <p:sp>
+        <p:nvSpPr>
+          <p:cNvPr id="3" name="Date Placeholder 2"/>
           <p:cNvSpPr>
             <a:spLocks noGrp="1"/>
           </p:cNvSpPr>
@@ -1729,7 +1727,7 @@
       </p:sp>
       <p:sp>
         <p:nvSpPr>
-          <p:cNvPr id="4" name="页脚占位符 3"/>
+          <p:cNvPr id="4" name="Footer Placeholder 3"/>
           <p:cNvSpPr>
             <a:spLocks noGrp="1"/>
           </p:cNvSpPr>
@@ -1748,7 +1746,7 @@
       </p:sp>
       <p:sp>
         <p:nvSpPr>
-          <p:cNvPr id="5" name="灯片编号占位符 4"/>
+          <p:cNvPr id="5" name="Slide Number Placeholder 4"/>
           <p:cNvSpPr>
             <a:spLocks noGrp="1"/>
           </p:cNvSpPr>
@@ -1772,7 +1770,7 @@
     </p:spTree>
     <p:extLst>
       <p:ext uri="{BB962C8B-B14F-4D97-AF65-F5344CB8AC3E}">
-        <p14:creationId xmlns:p14="http://schemas.microsoft.com/office/powerpoint/2010/main" val="2520423990"/>
+        <p14:creationId xmlns:p14="http://schemas.microsoft.com/office/powerpoint/2010/main" val="3306059400"/>
       </p:ext>
     </p:extLst>
   </p:cSld>
@@ -1801,7 +1799,7 @@
       </p:grpSpPr>
       <p:sp>
         <p:nvSpPr>
-          <p:cNvPr id="2" name="日期占位符 1"/>
+          <p:cNvPr id="2" name="Date Placeholder 1"/>
           <p:cNvSpPr>
             <a:spLocks noGrp="1"/>
           </p:cNvSpPr>
@@ -1824,7 +1822,7 @@
       </p:sp>
       <p:sp>
         <p:nvSpPr>
-          <p:cNvPr id="3" name="页脚占位符 2"/>
+          <p:cNvPr id="3" name="Footer Placeholder 2"/>
           <p:cNvSpPr>
             <a:spLocks noGrp="1"/>
           </p:cNvSpPr>
@@ -1843,7 +1841,7 @@
       </p:sp>
       <p:sp>
         <p:nvSpPr>
-          <p:cNvPr id="4" name="灯片编号占位符 3"/>
+          <p:cNvPr id="4" name="Slide Number Placeholder 3"/>
           <p:cNvSpPr>
             <a:spLocks noGrp="1"/>
           </p:cNvSpPr>
@@ -1867,7 +1865,7 @@
     </p:spTree>
     <p:extLst>
       <p:ext uri="{BB962C8B-B14F-4D97-AF65-F5344CB8AC3E}">
-        <p14:creationId xmlns:p14="http://schemas.microsoft.com/office/powerpoint/2010/main" val="3288267550"/>
+        <p14:creationId xmlns:p14="http://schemas.microsoft.com/office/powerpoint/2010/main" val="3796647946"/>
       </p:ext>
     </p:extLst>
   </p:cSld>
@@ -1896,7 +1894,7 @@
       </p:grpSpPr>
       <p:sp>
         <p:nvSpPr>
-          <p:cNvPr id="2" name="标题 1"/>
+          <p:cNvPr id="2" name="Title 1"/>
           <p:cNvSpPr>
             <a:spLocks noGrp="1"/>
           </p:cNvSpPr>
@@ -1906,15 +1904,15 @@
         </p:nvSpPr>
         <p:spPr>
           <a:xfrm>
-            <a:off x="839788" y="457200"/>
-            <a:ext cx="3932237" cy="1600200"/>
+            <a:off x="347178" y="383963"/>
+            <a:ext cx="1625632" cy="1343872"/>
           </a:xfrm>
         </p:spPr>
         <p:txBody>
           <a:bodyPr anchor="b"/>
           <a:lstStyle>
             <a:lvl1pPr>
-              <a:defRPr sz="3200"/>
+              <a:defRPr sz="1764"/>
             </a:lvl1pPr>
           </a:lstStyle>
           <a:p>
@@ -1922,13 +1920,13 @@
               <a:rPr lang="zh-CN" altLang="en-US" smtClean="0"/>
               <a:t>单击此处编辑母版标题样式</a:t>
             </a:r>
-            <a:endParaRPr lang="zh-CN" altLang="en-US"/>
-          </a:p>
-        </p:txBody>
-      </p:sp>
-      <p:sp>
-        <p:nvSpPr>
-          <p:cNvPr id="3" name="内容占位符 2"/>
+            <a:endParaRPr lang="en-US" dirty="0"/>
+          </a:p>
+        </p:txBody>
+      </p:sp>
+      <p:sp>
+        <p:nvSpPr>
+          <p:cNvPr id="3" name="Content Placeholder 2"/>
           <p:cNvSpPr>
             <a:spLocks noGrp="1"/>
           </p:cNvSpPr>
@@ -1938,39 +1936,39 @@
         </p:nvSpPr>
         <p:spPr>
           <a:xfrm>
-            <a:off x="5183188" y="987425"/>
-            <a:ext cx="6172200" cy="4873625"/>
+            <a:off x="2142790" y="829256"/>
+            <a:ext cx="2551658" cy="4092942"/>
           </a:xfrm>
         </p:spPr>
         <p:txBody>
           <a:bodyPr/>
           <a:lstStyle>
             <a:lvl1pPr>
-              <a:defRPr sz="3200"/>
+              <a:defRPr sz="1764"/>
             </a:lvl1pPr>
             <a:lvl2pPr>
-              <a:defRPr sz="2800"/>
+              <a:defRPr sz="1543"/>
             </a:lvl2pPr>
             <a:lvl3pPr>
-              <a:defRPr sz="2400"/>
+              <a:defRPr sz="1323"/>
             </a:lvl3pPr>
             <a:lvl4pPr>
-              <a:defRPr sz="2000"/>
+              <a:defRPr sz="1102"/>
             </a:lvl4pPr>
             <a:lvl5pPr>
-              <a:defRPr sz="2000"/>
+              <a:defRPr sz="1102"/>
             </a:lvl5pPr>
             <a:lvl6pPr>
-              <a:defRPr sz="2000"/>
+              <a:defRPr sz="1102"/>
             </a:lvl6pPr>
             <a:lvl7pPr>
-              <a:defRPr sz="2000"/>
+              <a:defRPr sz="1102"/>
             </a:lvl7pPr>
             <a:lvl8pPr>
-              <a:defRPr sz="2000"/>
+              <a:defRPr sz="1102"/>
             </a:lvl8pPr>
             <a:lvl9pPr>
-              <a:defRPr sz="2000"/>
+              <a:defRPr sz="1102"/>
             </a:lvl9pPr>
           </a:lstStyle>
           <a:p>
@@ -2007,13 +2005,13 @@
               <a:rPr lang="zh-CN" altLang="en-US" smtClean="0"/>
               <a:t>第五级</a:t>
             </a:r>
-            <a:endParaRPr lang="zh-CN" altLang="en-US"/>
-          </a:p>
-        </p:txBody>
-      </p:sp>
-      <p:sp>
-        <p:nvSpPr>
-          <p:cNvPr id="4" name="文本占位符 3"/>
+            <a:endParaRPr lang="en-US" dirty="0"/>
+          </a:p>
+        </p:txBody>
+      </p:sp>
+      <p:sp>
+        <p:nvSpPr>
+          <p:cNvPr id="4" name="Text Placeholder 3"/>
           <p:cNvSpPr>
             <a:spLocks noGrp="1"/>
           </p:cNvSpPr>
@@ -2023,8 +2021,8 @@
         </p:nvSpPr>
         <p:spPr>
           <a:xfrm>
-            <a:off x="839788" y="2057400"/>
-            <a:ext cx="3932237" cy="3811588"/>
+            <a:off x="347178" y="1727835"/>
+            <a:ext cx="1625632" cy="3201028"/>
           </a:xfrm>
         </p:spPr>
         <p:txBody>
@@ -2032,39 +2030,39 @@
           <a:lstStyle>
             <a:lvl1pPr marL="0" indent="0">
               <a:buNone/>
-              <a:defRPr sz="1600"/>
+              <a:defRPr sz="882"/>
             </a:lvl1pPr>
-            <a:lvl2pPr marL="457200" indent="0">
-              <a:buNone/>
-              <a:defRPr sz="1400"/>
+            <a:lvl2pPr marL="252009" indent="0">
+              <a:buNone/>
+              <a:defRPr sz="772"/>
             </a:lvl2pPr>
-            <a:lvl3pPr marL="914400" indent="0">
-              <a:buNone/>
-              <a:defRPr sz="1200"/>
+            <a:lvl3pPr marL="504017" indent="0">
+              <a:buNone/>
+              <a:defRPr sz="661"/>
             </a:lvl3pPr>
-            <a:lvl4pPr marL="1371600" indent="0">
-              <a:buNone/>
-              <a:defRPr sz="1000"/>
+            <a:lvl4pPr marL="756026" indent="0">
+              <a:buNone/>
+              <a:defRPr sz="551"/>
             </a:lvl4pPr>
-            <a:lvl5pPr marL="1828800" indent="0">
-              <a:buNone/>
-              <a:defRPr sz="1000"/>
+            <a:lvl5pPr marL="1008035" indent="0">
+              <a:buNone/>
+              <a:defRPr sz="551"/>
             </a:lvl5pPr>
-            <a:lvl6pPr marL="2286000" indent="0">
-              <a:buNone/>
-              <a:defRPr sz="1000"/>
+            <a:lvl6pPr marL="1260043" indent="0">
+              <a:buNone/>
+              <a:defRPr sz="551"/>
             </a:lvl6pPr>
-            <a:lvl7pPr marL="2743200" indent="0">
-              <a:buNone/>
-              <a:defRPr sz="1000"/>
+            <a:lvl7pPr marL="1512052" indent="0">
+              <a:buNone/>
+              <a:defRPr sz="551"/>
             </a:lvl7pPr>
-            <a:lvl8pPr marL="3200400" indent="0">
-              <a:buNone/>
-              <a:defRPr sz="1000"/>
+            <a:lvl8pPr marL="1764060" indent="0">
+              <a:buNone/>
+              <a:defRPr sz="551"/>
             </a:lvl8pPr>
-            <a:lvl9pPr marL="3657600" indent="0">
-              <a:buNone/>
-              <a:defRPr sz="1000"/>
+            <a:lvl9pPr marL="2016069" indent="0">
+              <a:buNone/>
+              <a:defRPr sz="551"/>
             </a:lvl9pPr>
           </a:lstStyle>
           <a:p>
@@ -2078,7 +2076,7 @@
       </p:sp>
       <p:sp>
         <p:nvSpPr>
-          <p:cNvPr id="5" name="日期占位符 4"/>
+          <p:cNvPr id="5" name="Date Placeholder 4"/>
           <p:cNvSpPr>
             <a:spLocks noGrp="1"/>
           </p:cNvSpPr>
@@ -2101,7 +2099,7 @@
       </p:sp>
       <p:sp>
         <p:nvSpPr>
-          <p:cNvPr id="6" name="页脚占位符 5"/>
+          <p:cNvPr id="6" name="Footer Placeholder 5"/>
           <p:cNvSpPr>
             <a:spLocks noGrp="1"/>
           </p:cNvSpPr>
@@ -2120,7 +2118,7 @@
       </p:sp>
       <p:sp>
         <p:nvSpPr>
-          <p:cNvPr id="7" name="灯片编号占位符 6"/>
+          <p:cNvPr id="7" name="Slide Number Placeholder 6"/>
           <p:cNvSpPr>
             <a:spLocks noGrp="1"/>
           </p:cNvSpPr>
@@ -2144,7 +2142,7 @@
     </p:spTree>
     <p:extLst>
       <p:ext uri="{BB962C8B-B14F-4D97-AF65-F5344CB8AC3E}">
-        <p14:creationId xmlns:p14="http://schemas.microsoft.com/office/powerpoint/2010/main" val="3993281935"/>
+        <p14:creationId xmlns:p14="http://schemas.microsoft.com/office/powerpoint/2010/main" val="1476288726"/>
       </p:ext>
     </p:extLst>
   </p:cSld>
@@ -2173,7 +2171,7 @@
       </p:grpSpPr>
       <p:sp>
         <p:nvSpPr>
-          <p:cNvPr id="2" name="标题 1"/>
+          <p:cNvPr id="2" name="Title 1"/>
           <p:cNvSpPr>
             <a:spLocks noGrp="1"/>
           </p:cNvSpPr>
@@ -2183,15 +2181,15 @@
         </p:nvSpPr>
         <p:spPr>
           <a:xfrm>
-            <a:off x="839788" y="457200"/>
-            <a:ext cx="3932237" cy="1600200"/>
+            <a:off x="347178" y="383963"/>
+            <a:ext cx="1625632" cy="1343872"/>
           </a:xfrm>
         </p:spPr>
         <p:txBody>
           <a:bodyPr anchor="b"/>
           <a:lstStyle>
             <a:lvl1pPr>
-              <a:defRPr sz="3200"/>
+              <a:defRPr sz="1764"/>
             </a:lvl1pPr>
           </a:lstStyle>
           <a:p>
@@ -2199,15 +2197,15 @@
               <a:rPr lang="zh-CN" altLang="en-US" smtClean="0"/>
               <a:t>单击此处编辑母版标题样式</a:t>
             </a:r>
-            <a:endParaRPr lang="zh-CN" altLang="en-US"/>
-          </a:p>
-        </p:txBody>
-      </p:sp>
-      <p:sp>
-        <p:nvSpPr>
-          <p:cNvPr id="3" name="图片占位符 2"/>
-          <p:cNvSpPr>
-            <a:spLocks noGrp="1"/>
+            <a:endParaRPr lang="en-US" dirty="0"/>
+          </a:p>
+        </p:txBody>
+      </p:sp>
+      <p:sp>
+        <p:nvSpPr>
+          <p:cNvPr id="3" name="Picture Placeholder 2"/>
+          <p:cNvSpPr>
+            <a:spLocks noGrp="1" noChangeAspect="1"/>
           </p:cNvSpPr>
           <p:nvPr>
             <p:ph type="pic" idx="1"/>
@@ -2215,58 +2213,62 @@
         </p:nvSpPr>
         <p:spPr>
           <a:xfrm>
-            <a:off x="5183188" y="987425"/>
-            <a:ext cx="6172200" cy="4873625"/>
+            <a:off x="2142790" y="829256"/>
+            <a:ext cx="2551658" cy="4092942"/>
           </a:xfrm>
         </p:spPr>
         <p:txBody>
-          <a:bodyPr/>
+          <a:bodyPr anchor="t"/>
           <a:lstStyle>
             <a:lvl1pPr marL="0" indent="0">
               <a:buNone/>
-              <a:defRPr sz="3200"/>
+              <a:defRPr sz="1764"/>
             </a:lvl1pPr>
-            <a:lvl2pPr marL="457200" indent="0">
-              <a:buNone/>
-              <a:defRPr sz="2800"/>
+            <a:lvl2pPr marL="252009" indent="0">
+              <a:buNone/>
+              <a:defRPr sz="1543"/>
             </a:lvl2pPr>
-            <a:lvl3pPr marL="914400" indent="0">
-              <a:buNone/>
-              <a:defRPr sz="2400"/>
+            <a:lvl3pPr marL="504017" indent="0">
+              <a:buNone/>
+              <a:defRPr sz="1323"/>
             </a:lvl3pPr>
-            <a:lvl4pPr marL="1371600" indent="0">
-              <a:buNone/>
-              <a:defRPr sz="2000"/>
+            <a:lvl4pPr marL="756026" indent="0">
+              <a:buNone/>
+              <a:defRPr sz="1102"/>
             </a:lvl4pPr>
-            <a:lvl5pPr marL="1828800" indent="0">
-              <a:buNone/>
-              <a:defRPr sz="2000"/>
+            <a:lvl5pPr marL="1008035" indent="0">
+              <a:buNone/>
+              <a:defRPr sz="1102"/>
             </a:lvl5pPr>
-            <a:lvl6pPr marL="2286000" indent="0">
-              <a:buNone/>
-              <a:defRPr sz="2000"/>
+            <a:lvl6pPr marL="1260043" indent="0">
+              <a:buNone/>
+              <a:defRPr sz="1102"/>
             </a:lvl6pPr>
-            <a:lvl7pPr marL="2743200" indent="0">
-              <a:buNone/>
-              <a:defRPr sz="2000"/>
+            <a:lvl7pPr marL="1512052" indent="0">
+              <a:buNone/>
+              <a:defRPr sz="1102"/>
             </a:lvl7pPr>
-            <a:lvl8pPr marL="3200400" indent="0">
-              <a:buNone/>
-              <a:defRPr sz="2000"/>
+            <a:lvl8pPr marL="1764060" indent="0">
+              <a:buNone/>
+              <a:defRPr sz="1102"/>
             </a:lvl8pPr>
-            <a:lvl9pPr marL="3657600" indent="0">
-              <a:buNone/>
-              <a:defRPr sz="2000"/>
+            <a:lvl9pPr marL="2016069" indent="0">
+              <a:buNone/>
+              <a:defRPr sz="1102"/>
             </a:lvl9pPr>
           </a:lstStyle>
           <a:p>
-            <a:endParaRPr lang="zh-CN" altLang="en-US"/>
-          </a:p>
-        </p:txBody>
-      </p:sp>
-      <p:sp>
-        <p:nvSpPr>
-          <p:cNvPr id="4" name="文本占位符 3"/>
+            <a:r>
+              <a:rPr lang="zh-CN" altLang="en-US" smtClean="0"/>
+              <a:t>单击图标添加图片</a:t>
+            </a:r>
+            <a:endParaRPr lang="en-US" dirty="0"/>
+          </a:p>
+        </p:txBody>
+      </p:sp>
+      <p:sp>
+        <p:nvSpPr>
+          <p:cNvPr id="4" name="Text Placeholder 3"/>
           <p:cNvSpPr>
             <a:spLocks noGrp="1"/>
           </p:cNvSpPr>
@@ -2276,8 +2278,8 @@
         </p:nvSpPr>
         <p:spPr>
           <a:xfrm>
-            <a:off x="839788" y="2057400"/>
-            <a:ext cx="3932237" cy="3811588"/>
+            <a:off x="347178" y="1727835"/>
+            <a:ext cx="1625632" cy="3201028"/>
           </a:xfrm>
         </p:spPr>
         <p:txBody>
@@ -2285,39 +2287,39 @@
           <a:lstStyle>
             <a:lvl1pPr marL="0" indent="0">
               <a:buNone/>
-              <a:defRPr sz="1600"/>
+              <a:defRPr sz="882"/>
             </a:lvl1pPr>
-            <a:lvl2pPr marL="457200" indent="0">
-              <a:buNone/>
-              <a:defRPr sz="1400"/>
+            <a:lvl2pPr marL="252009" indent="0">
+              <a:buNone/>
+              <a:defRPr sz="772"/>
             </a:lvl2pPr>
-            <a:lvl3pPr marL="914400" indent="0">
-              <a:buNone/>
-              <a:defRPr sz="1200"/>
+            <a:lvl3pPr marL="504017" indent="0">
+              <a:buNone/>
+              <a:defRPr sz="661"/>
             </a:lvl3pPr>
-            <a:lvl4pPr marL="1371600" indent="0">
-              <a:buNone/>
-              <a:defRPr sz="1000"/>
+            <a:lvl4pPr marL="756026" indent="0">
+              <a:buNone/>
+              <a:defRPr sz="551"/>
             </a:lvl4pPr>
-            <a:lvl5pPr marL="1828800" indent="0">
-              <a:buNone/>
-              <a:defRPr sz="1000"/>
+            <a:lvl5pPr marL="1008035" indent="0">
+              <a:buNone/>
+              <a:defRPr sz="551"/>
             </a:lvl5pPr>
-            <a:lvl6pPr marL="2286000" indent="0">
-              <a:buNone/>
-              <a:defRPr sz="1000"/>
+            <a:lvl6pPr marL="1260043" indent="0">
+              <a:buNone/>
+              <a:defRPr sz="551"/>
             </a:lvl6pPr>
-            <a:lvl7pPr marL="2743200" indent="0">
-              <a:buNone/>
-              <a:defRPr sz="1000"/>
+            <a:lvl7pPr marL="1512052" indent="0">
+              <a:buNone/>
+              <a:defRPr sz="551"/>
             </a:lvl7pPr>
-            <a:lvl8pPr marL="3200400" indent="0">
-              <a:buNone/>
-              <a:defRPr sz="1000"/>
+            <a:lvl8pPr marL="1764060" indent="0">
+              <a:buNone/>
+              <a:defRPr sz="551"/>
             </a:lvl8pPr>
-            <a:lvl9pPr marL="3657600" indent="0">
-              <a:buNone/>
-              <a:defRPr sz="1000"/>
+            <a:lvl9pPr marL="2016069" indent="0">
+              <a:buNone/>
+              <a:defRPr sz="551"/>
             </a:lvl9pPr>
           </a:lstStyle>
           <a:p>
@@ -2331,7 +2333,7 @@
       </p:sp>
       <p:sp>
         <p:nvSpPr>
-          <p:cNvPr id="5" name="日期占位符 4"/>
+          <p:cNvPr id="5" name="Date Placeholder 4"/>
           <p:cNvSpPr>
             <a:spLocks noGrp="1"/>
           </p:cNvSpPr>
@@ -2354,7 +2356,7 @@
       </p:sp>
       <p:sp>
         <p:nvSpPr>
-          <p:cNvPr id="6" name="页脚占位符 5"/>
+          <p:cNvPr id="6" name="Footer Placeholder 5"/>
           <p:cNvSpPr>
             <a:spLocks noGrp="1"/>
           </p:cNvSpPr>
@@ -2373,7 +2375,7 @@
       </p:sp>
       <p:sp>
         <p:nvSpPr>
-          <p:cNvPr id="7" name="灯片编号占位符 6"/>
+          <p:cNvPr id="7" name="Slide Number Placeholder 6"/>
           <p:cNvSpPr>
             <a:spLocks noGrp="1"/>
           </p:cNvSpPr>
@@ -2397,7 +2399,7 @@
     </p:spTree>
     <p:extLst>
       <p:ext uri="{BB962C8B-B14F-4D97-AF65-F5344CB8AC3E}">
-        <p14:creationId xmlns:p14="http://schemas.microsoft.com/office/powerpoint/2010/main" val="251483712"/>
+        <p14:creationId xmlns:p14="http://schemas.microsoft.com/office/powerpoint/2010/main" val="34635842"/>
       </p:ext>
     </p:extLst>
   </p:cSld>
@@ -2431,7 +2433,7 @@
       </p:grpSpPr>
       <p:sp>
         <p:nvSpPr>
-          <p:cNvPr id="2" name="标题占位符 1"/>
+          <p:cNvPr id="2" name="Title Placeholder 1"/>
           <p:cNvSpPr>
             <a:spLocks noGrp="1"/>
           </p:cNvSpPr>
@@ -2441,8 +2443,8 @@
         </p:nvSpPr>
         <p:spPr>
           <a:xfrm>
-            <a:off x="838200" y="365125"/>
-            <a:ext cx="10515600" cy="1325563"/>
+            <a:off x="346522" y="306639"/>
+            <a:ext cx="4347270" cy="1113227"/>
           </a:xfrm>
           <a:prstGeom prst="rect">
             <a:avLst/>
@@ -2458,13 +2460,13 @@
               <a:rPr lang="zh-CN" altLang="en-US" smtClean="0"/>
               <a:t>单击此处编辑母版标题样式</a:t>
             </a:r>
-            <a:endParaRPr lang="zh-CN" altLang="en-US"/>
-          </a:p>
-        </p:txBody>
-      </p:sp>
-      <p:sp>
-        <p:nvSpPr>
-          <p:cNvPr id="3" name="文本占位符 2"/>
+            <a:endParaRPr lang="en-US" dirty="0"/>
+          </a:p>
+        </p:txBody>
+      </p:sp>
+      <p:sp>
+        <p:nvSpPr>
+          <p:cNvPr id="3" name="Text Placeholder 2"/>
           <p:cNvSpPr>
             <a:spLocks noGrp="1"/>
           </p:cNvSpPr>
@@ -2474,8 +2476,8 @@
         </p:nvSpPr>
         <p:spPr>
           <a:xfrm>
-            <a:off x="838200" y="1825625"/>
-            <a:ext cx="10515600" cy="4351338"/>
+            <a:off x="346522" y="1533187"/>
+            <a:ext cx="4347270" cy="3654318"/>
           </a:xfrm>
           <a:prstGeom prst="rect">
             <a:avLst/>
@@ -2520,13 +2522,13 @@
               <a:rPr lang="zh-CN" altLang="en-US" smtClean="0"/>
               <a:t>第五级</a:t>
             </a:r>
-            <a:endParaRPr lang="zh-CN" altLang="en-US"/>
-          </a:p>
-        </p:txBody>
-      </p:sp>
-      <p:sp>
-        <p:nvSpPr>
-          <p:cNvPr id="4" name="日期占位符 3"/>
+            <a:endParaRPr lang="en-US" dirty="0"/>
+          </a:p>
+        </p:txBody>
+      </p:sp>
+      <p:sp>
+        <p:nvSpPr>
+          <p:cNvPr id="4" name="Date Placeholder 3"/>
           <p:cNvSpPr>
             <a:spLocks noGrp="1"/>
           </p:cNvSpPr>
@@ -2536,8 +2538,8 @@
         </p:nvSpPr>
         <p:spPr>
           <a:xfrm>
-            <a:off x="838200" y="6356350"/>
-            <a:ext cx="2743200" cy="365125"/>
+            <a:off x="346522" y="5338158"/>
+            <a:ext cx="1134070" cy="306637"/>
           </a:xfrm>
           <a:prstGeom prst="rect">
             <a:avLst/>
@@ -2547,7 +2549,7 @@
           <a:bodyPr vert="horz" lIns="91440" tIns="45720" rIns="91440" bIns="45720" rtlCol="0" anchor="ctr"/>
           <a:lstStyle>
             <a:lvl1pPr algn="l">
-              <a:defRPr sz="1200">
+              <a:defRPr sz="661">
                 <a:solidFill>
                   <a:schemeClr val="tx1">
                     <a:tint val="75000"/>
@@ -2567,7 +2569,7 @@
       </p:sp>
       <p:sp>
         <p:nvSpPr>
-          <p:cNvPr id="5" name="页脚占位符 4"/>
+          <p:cNvPr id="5" name="Footer Placeholder 4"/>
           <p:cNvSpPr>
             <a:spLocks noGrp="1"/>
           </p:cNvSpPr>
@@ -2577,8 +2579,8 @@
         </p:nvSpPr>
         <p:spPr>
           <a:xfrm>
-            <a:off x="4038600" y="6356350"/>
-            <a:ext cx="4114800" cy="365125"/>
+            <a:off x="1669604" y="5338158"/>
+            <a:ext cx="1701106" cy="306637"/>
           </a:xfrm>
           <a:prstGeom prst="rect">
             <a:avLst/>
@@ -2588,7 +2590,7 @@
           <a:bodyPr vert="horz" lIns="91440" tIns="45720" rIns="91440" bIns="45720" rtlCol="0" anchor="ctr"/>
           <a:lstStyle>
             <a:lvl1pPr algn="ctr">
-              <a:defRPr sz="1200">
+              <a:defRPr sz="661">
                 <a:solidFill>
                   <a:schemeClr val="tx1">
                     <a:tint val="75000"/>
@@ -2604,7 +2606,7 @@
       </p:sp>
       <p:sp>
         <p:nvSpPr>
-          <p:cNvPr id="6" name="灯片编号占位符 5"/>
+          <p:cNvPr id="6" name="Slide Number Placeholder 5"/>
           <p:cNvSpPr>
             <a:spLocks noGrp="1"/>
           </p:cNvSpPr>
@@ -2614,8 +2616,8 @@
         </p:nvSpPr>
         <p:spPr>
           <a:xfrm>
-            <a:off x="8610600" y="6356350"/>
-            <a:ext cx="2743200" cy="365125"/>
+            <a:off x="3559721" y="5338158"/>
+            <a:ext cx="1134070" cy="306637"/>
           </a:xfrm>
           <a:prstGeom prst="rect">
             <a:avLst/>
@@ -2625,7 +2627,7 @@
           <a:bodyPr vert="horz" lIns="91440" tIns="45720" rIns="91440" bIns="45720" rtlCol="0" anchor="ctr"/>
           <a:lstStyle>
             <a:lvl1pPr algn="r">
-              <a:defRPr sz="1200">
+              <a:defRPr sz="661">
                 <a:solidFill>
                   <a:schemeClr val="tx1">
                     <a:tint val="75000"/>
@@ -2646,27 +2648,27 @@
     </p:spTree>
     <p:extLst>
       <p:ext uri="{BB962C8B-B14F-4D97-AF65-F5344CB8AC3E}">
-        <p14:creationId xmlns:p14="http://schemas.microsoft.com/office/powerpoint/2010/main" val="2778058155"/>
+        <p14:creationId xmlns:p14="http://schemas.microsoft.com/office/powerpoint/2010/main" val="3572050509"/>
       </p:ext>
     </p:extLst>
   </p:cSld>
   <p:clrMap bg1="lt1" tx1="dk1" bg2="lt2" tx2="dk2" accent1="accent1" accent2="accent2" accent3="accent3" accent4="accent4" accent5="accent5" accent6="accent6" hlink="hlink" folHlink="folHlink"/>
   <p:sldLayoutIdLst>
-    <p:sldLayoutId id="2147483649" r:id="rId1"/>
-    <p:sldLayoutId id="2147483650" r:id="rId2"/>
-    <p:sldLayoutId id="2147483651" r:id="rId3"/>
-    <p:sldLayoutId id="2147483652" r:id="rId4"/>
-    <p:sldLayoutId id="2147483653" r:id="rId5"/>
-    <p:sldLayoutId id="2147483654" r:id="rId6"/>
-    <p:sldLayoutId id="2147483655" r:id="rId7"/>
-    <p:sldLayoutId id="2147483656" r:id="rId8"/>
-    <p:sldLayoutId id="2147483657" r:id="rId9"/>
-    <p:sldLayoutId id="2147483658" r:id="rId10"/>
-    <p:sldLayoutId id="2147483659" r:id="rId11"/>
+    <p:sldLayoutId id="2147483673" r:id="rId1"/>
+    <p:sldLayoutId id="2147483674" r:id="rId2"/>
+    <p:sldLayoutId id="2147483675" r:id="rId3"/>
+    <p:sldLayoutId id="2147483676" r:id="rId4"/>
+    <p:sldLayoutId id="2147483677" r:id="rId5"/>
+    <p:sldLayoutId id="2147483678" r:id="rId6"/>
+    <p:sldLayoutId id="2147483679" r:id="rId7"/>
+    <p:sldLayoutId id="2147483680" r:id="rId8"/>
+    <p:sldLayoutId id="2147483681" r:id="rId9"/>
+    <p:sldLayoutId id="2147483682" r:id="rId10"/>
+    <p:sldLayoutId id="2147483683" r:id="rId11"/>
   </p:sldLayoutIdLst>
   <p:txStyles>
     <p:titleStyle>
-      <a:lvl1pPr algn="l" defTabSz="914400" rtl="0" eaLnBrk="1" latinLnBrk="0" hangingPunct="1">
+      <a:lvl1pPr algn="l" defTabSz="504017" rtl="0" eaLnBrk="1" latinLnBrk="0" hangingPunct="1">
         <a:lnSpc>
           <a:spcPct val="90000"/>
         </a:lnSpc>
@@ -2674,7 +2676,7 @@
           <a:spcPct val="0"/>
         </a:spcBef>
         <a:buNone/>
-        <a:defRPr sz="4400" kern="1200">
+        <a:defRPr sz="2425" kern="1200">
           <a:solidFill>
             <a:schemeClr val="tx1"/>
           </a:solidFill>
@@ -2685,16 +2687,16 @@
       </a:lvl1pPr>
     </p:titleStyle>
     <p:bodyStyle>
-      <a:lvl1pPr marL="228600" indent="-228600" algn="l" defTabSz="914400" rtl="0" eaLnBrk="1" latinLnBrk="0" hangingPunct="1">
+      <a:lvl1pPr marL="126004" indent="-126004" algn="l" defTabSz="504017" rtl="0" eaLnBrk="1" latinLnBrk="0" hangingPunct="1">
         <a:lnSpc>
           <a:spcPct val="90000"/>
         </a:lnSpc>
         <a:spcBef>
-          <a:spcPts val="1000"/>
+          <a:spcPts val="551"/>
         </a:spcBef>
         <a:buFont typeface="Arial" panose="020B0604020202020204" pitchFamily="34" charset="0"/>
         <a:buChar char="•"/>
-        <a:defRPr sz="2800" kern="1200">
+        <a:defRPr sz="1543" kern="1200">
           <a:solidFill>
             <a:schemeClr val="tx1"/>
           </a:solidFill>
@@ -2703,16 +2705,16 @@
           <a:cs typeface="+mn-cs"/>
         </a:defRPr>
       </a:lvl1pPr>
-      <a:lvl2pPr marL="685800" indent="-228600" algn="l" defTabSz="914400" rtl="0" eaLnBrk="1" latinLnBrk="0" hangingPunct="1">
+      <a:lvl2pPr marL="378013" indent="-126004" algn="l" defTabSz="504017" rtl="0" eaLnBrk="1" latinLnBrk="0" hangingPunct="1">
         <a:lnSpc>
           <a:spcPct val="90000"/>
         </a:lnSpc>
         <a:spcBef>
-          <a:spcPts val="500"/>
+          <a:spcPts val="276"/>
         </a:spcBef>
         <a:buFont typeface="Arial" panose="020B0604020202020204" pitchFamily="34" charset="0"/>
         <a:buChar char="•"/>
-        <a:defRPr sz="2400" kern="1200">
+        <a:defRPr sz="1323" kern="1200">
           <a:solidFill>
             <a:schemeClr val="tx1"/>
           </a:solidFill>
@@ -2721,16 +2723,16 @@
           <a:cs typeface="+mn-cs"/>
         </a:defRPr>
       </a:lvl2pPr>
-      <a:lvl3pPr marL="1143000" indent="-228600" algn="l" defTabSz="914400" rtl="0" eaLnBrk="1" latinLnBrk="0" hangingPunct="1">
+      <a:lvl3pPr marL="630022" indent="-126004" algn="l" defTabSz="504017" rtl="0" eaLnBrk="1" latinLnBrk="0" hangingPunct="1">
         <a:lnSpc>
           <a:spcPct val="90000"/>
         </a:lnSpc>
         <a:spcBef>
-          <a:spcPts val="500"/>
+          <a:spcPts val="276"/>
         </a:spcBef>
         <a:buFont typeface="Arial" panose="020B0604020202020204" pitchFamily="34" charset="0"/>
         <a:buChar char="•"/>
-        <a:defRPr sz="2000" kern="1200">
+        <a:defRPr sz="1102" kern="1200">
           <a:solidFill>
             <a:schemeClr val="tx1"/>
           </a:solidFill>
@@ -2739,16 +2741,16 @@
           <a:cs typeface="+mn-cs"/>
         </a:defRPr>
       </a:lvl3pPr>
-      <a:lvl4pPr marL="1600200" indent="-228600" algn="l" defTabSz="914400" rtl="0" eaLnBrk="1" latinLnBrk="0" hangingPunct="1">
+      <a:lvl4pPr marL="882030" indent="-126004" algn="l" defTabSz="504017" rtl="0" eaLnBrk="1" latinLnBrk="0" hangingPunct="1">
         <a:lnSpc>
           <a:spcPct val="90000"/>
         </a:lnSpc>
         <a:spcBef>
-          <a:spcPts val="500"/>
+          <a:spcPts val="276"/>
         </a:spcBef>
         <a:buFont typeface="Arial" panose="020B0604020202020204" pitchFamily="34" charset="0"/>
         <a:buChar char="•"/>
-        <a:defRPr sz="1800" kern="1200">
+        <a:defRPr sz="992" kern="1200">
           <a:solidFill>
             <a:schemeClr val="tx1"/>
           </a:solidFill>
@@ -2757,16 +2759,16 @@
           <a:cs typeface="+mn-cs"/>
         </a:defRPr>
       </a:lvl4pPr>
-      <a:lvl5pPr marL="2057400" indent="-228600" algn="l" defTabSz="914400" rtl="0" eaLnBrk="1" latinLnBrk="0" hangingPunct="1">
+      <a:lvl5pPr marL="1134039" indent="-126004" algn="l" defTabSz="504017" rtl="0" eaLnBrk="1" latinLnBrk="0" hangingPunct="1">
         <a:lnSpc>
           <a:spcPct val="90000"/>
         </a:lnSpc>
         <a:spcBef>
-          <a:spcPts val="500"/>
+          <a:spcPts val="276"/>
         </a:spcBef>
         <a:buFont typeface="Arial" panose="020B0604020202020204" pitchFamily="34" charset="0"/>
         <a:buChar char="•"/>
-        <a:defRPr sz="1800" kern="1200">
+        <a:defRPr sz="992" kern="1200">
           <a:solidFill>
             <a:schemeClr val="tx1"/>
           </a:solidFill>
@@ -2775,16 +2777,16 @@
           <a:cs typeface="+mn-cs"/>
         </a:defRPr>
       </a:lvl5pPr>
-      <a:lvl6pPr marL="2514600" indent="-228600" algn="l" defTabSz="914400" rtl="0" eaLnBrk="1" latinLnBrk="0" hangingPunct="1">
+      <a:lvl6pPr marL="1386048" indent="-126004" algn="l" defTabSz="504017" rtl="0" eaLnBrk="1" latinLnBrk="0" hangingPunct="1">
         <a:lnSpc>
           <a:spcPct val="90000"/>
         </a:lnSpc>
         <a:spcBef>
-          <a:spcPts val="500"/>
+          <a:spcPts val="276"/>
         </a:spcBef>
         <a:buFont typeface="Arial" panose="020B0604020202020204" pitchFamily="34" charset="0"/>
         <a:buChar char="•"/>
-        <a:defRPr sz="1800" kern="1200">
+        <a:defRPr sz="992" kern="1200">
           <a:solidFill>
             <a:schemeClr val="tx1"/>
           </a:solidFill>
@@ -2793,16 +2795,16 @@
           <a:cs typeface="+mn-cs"/>
         </a:defRPr>
       </a:lvl6pPr>
-      <a:lvl7pPr marL="2971800" indent="-228600" algn="l" defTabSz="914400" rtl="0" eaLnBrk="1" latinLnBrk="0" hangingPunct="1">
+      <a:lvl7pPr marL="1638056" indent="-126004" algn="l" defTabSz="504017" rtl="0" eaLnBrk="1" latinLnBrk="0" hangingPunct="1">
         <a:lnSpc>
           <a:spcPct val="90000"/>
         </a:lnSpc>
         <a:spcBef>
-          <a:spcPts val="500"/>
+          <a:spcPts val="276"/>
         </a:spcBef>
         <a:buFont typeface="Arial" panose="020B0604020202020204" pitchFamily="34" charset="0"/>
         <a:buChar char="•"/>
-        <a:defRPr sz="1800" kern="1200">
+        <a:defRPr sz="992" kern="1200">
           <a:solidFill>
             <a:schemeClr val="tx1"/>
           </a:solidFill>
@@ -2811,16 +2813,16 @@
           <a:cs typeface="+mn-cs"/>
         </a:defRPr>
       </a:lvl7pPr>
-      <a:lvl8pPr marL="3429000" indent="-228600" algn="l" defTabSz="914400" rtl="0" eaLnBrk="1" latinLnBrk="0" hangingPunct="1">
+      <a:lvl8pPr marL="1890065" indent="-126004" algn="l" defTabSz="504017" rtl="0" eaLnBrk="1" latinLnBrk="0" hangingPunct="1">
         <a:lnSpc>
           <a:spcPct val="90000"/>
         </a:lnSpc>
         <a:spcBef>
-          <a:spcPts val="500"/>
+          <a:spcPts val="276"/>
         </a:spcBef>
         <a:buFont typeface="Arial" panose="020B0604020202020204" pitchFamily="34" charset="0"/>
         <a:buChar char="•"/>
-        <a:defRPr sz="1800" kern="1200">
+        <a:defRPr sz="992" kern="1200">
           <a:solidFill>
             <a:schemeClr val="tx1"/>
           </a:solidFill>
@@ -2829,16 +2831,16 @@
           <a:cs typeface="+mn-cs"/>
         </a:defRPr>
       </a:lvl8pPr>
-      <a:lvl9pPr marL="3886200" indent="-228600" algn="l" defTabSz="914400" rtl="0" eaLnBrk="1" latinLnBrk="0" hangingPunct="1">
+      <a:lvl9pPr marL="2142073" indent="-126004" algn="l" defTabSz="504017" rtl="0" eaLnBrk="1" latinLnBrk="0" hangingPunct="1">
         <a:lnSpc>
           <a:spcPct val="90000"/>
         </a:lnSpc>
         <a:spcBef>
-          <a:spcPts val="500"/>
+          <a:spcPts val="276"/>
         </a:spcBef>
         <a:buFont typeface="Arial" panose="020B0604020202020204" pitchFamily="34" charset="0"/>
         <a:buChar char="•"/>
-        <a:defRPr sz="1800" kern="1200">
+        <a:defRPr sz="992" kern="1200">
           <a:solidFill>
             <a:schemeClr val="tx1"/>
           </a:solidFill>
@@ -2850,10 +2852,10 @@
     </p:bodyStyle>
     <p:otherStyle>
       <a:defPPr>
-        <a:defRPr lang="zh-CN"/>
+        <a:defRPr lang="en-US"/>
       </a:defPPr>
-      <a:lvl1pPr marL="0" algn="l" defTabSz="914400" rtl="0" eaLnBrk="1" latinLnBrk="0" hangingPunct="1">
-        <a:defRPr sz="1800" kern="1200">
+      <a:lvl1pPr marL="0" algn="l" defTabSz="504017" rtl="0" eaLnBrk="1" latinLnBrk="0" hangingPunct="1">
+        <a:defRPr sz="992" kern="1200">
           <a:solidFill>
             <a:schemeClr val="tx1"/>
           </a:solidFill>
@@ -2862,8 +2864,8 @@
           <a:cs typeface="+mn-cs"/>
         </a:defRPr>
       </a:lvl1pPr>
-      <a:lvl2pPr marL="457200" algn="l" defTabSz="914400" rtl="0" eaLnBrk="1" latinLnBrk="0" hangingPunct="1">
-        <a:defRPr sz="1800" kern="1200">
+      <a:lvl2pPr marL="252009" algn="l" defTabSz="504017" rtl="0" eaLnBrk="1" latinLnBrk="0" hangingPunct="1">
+        <a:defRPr sz="992" kern="1200">
           <a:solidFill>
             <a:schemeClr val="tx1"/>
           </a:solidFill>
@@ -2872,8 +2874,8 @@
           <a:cs typeface="+mn-cs"/>
         </a:defRPr>
       </a:lvl2pPr>
-      <a:lvl3pPr marL="914400" algn="l" defTabSz="914400" rtl="0" eaLnBrk="1" latinLnBrk="0" hangingPunct="1">
-        <a:defRPr sz="1800" kern="1200">
+      <a:lvl3pPr marL="504017" algn="l" defTabSz="504017" rtl="0" eaLnBrk="1" latinLnBrk="0" hangingPunct="1">
+        <a:defRPr sz="992" kern="1200">
           <a:solidFill>
             <a:schemeClr val="tx1"/>
           </a:solidFill>
@@ -2882,8 +2884,8 @@
           <a:cs typeface="+mn-cs"/>
         </a:defRPr>
       </a:lvl3pPr>
-      <a:lvl4pPr marL="1371600" algn="l" defTabSz="914400" rtl="0" eaLnBrk="1" latinLnBrk="0" hangingPunct="1">
-        <a:defRPr sz="1800" kern="1200">
+      <a:lvl4pPr marL="756026" algn="l" defTabSz="504017" rtl="0" eaLnBrk="1" latinLnBrk="0" hangingPunct="1">
+        <a:defRPr sz="992" kern="1200">
           <a:solidFill>
             <a:schemeClr val="tx1"/>
           </a:solidFill>
@@ -2892,8 +2894,8 @@
           <a:cs typeface="+mn-cs"/>
         </a:defRPr>
       </a:lvl4pPr>
-      <a:lvl5pPr marL="1828800" algn="l" defTabSz="914400" rtl="0" eaLnBrk="1" latinLnBrk="0" hangingPunct="1">
-        <a:defRPr sz="1800" kern="1200">
+      <a:lvl5pPr marL="1008035" algn="l" defTabSz="504017" rtl="0" eaLnBrk="1" latinLnBrk="0" hangingPunct="1">
+        <a:defRPr sz="992" kern="1200">
           <a:solidFill>
             <a:schemeClr val="tx1"/>
           </a:solidFill>
@@ -2902,8 +2904,8 @@
           <a:cs typeface="+mn-cs"/>
         </a:defRPr>
       </a:lvl5pPr>
-      <a:lvl6pPr marL="2286000" algn="l" defTabSz="914400" rtl="0" eaLnBrk="1" latinLnBrk="0" hangingPunct="1">
-        <a:defRPr sz="1800" kern="1200">
+      <a:lvl6pPr marL="1260043" algn="l" defTabSz="504017" rtl="0" eaLnBrk="1" latinLnBrk="0" hangingPunct="1">
+        <a:defRPr sz="992" kern="1200">
           <a:solidFill>
             <a:schemeClr val="tx1"/>
           </a:solidFill>
@@ -2912,8 +2914,8 @@
           <a:cs typeface="+mn-cs"/>
         </a:defRPr>
       </a:lvl6pPr>
-      <a:lvl7pPr marL="2743200" algn="l" defTabSz="914400" rtl="0" eaLnBrk="1" latinLnBrk="0" hangingPunct="1">
-        <a:defRPr sz="1800" kern="1200">
+      <a:lvl7pPr marL="1512052" algn="l" defTabSz="504017" rtl="0" eaLnBrk="1" latinLnBrk="0" hangingPunct="1">
+        <a:defRPr sz="992" kern="1200">
           <a:solidFill>
             <a:schemeClr val="tx1"/>
           </a:solidFill>
@@ -2922,8 +2924,8 @@
           <a:cs typeface="+mn-cs"/>
         </a:defRPr>
       </a:lvl7pPr>
-      <a:lvl8pPr marL="3200400" algn="l" defTabSz="914400" rtl="0" eaLnBrk="1" latinLnBrk="0" hangingPunct="1">
-        <a:defRPr sz="1800" kern="1200">
+      <a:lvl8pPr marL="1764060" algn="l" defTabSz="504017" rtl="0" eaLnBrk="1" latinLnBrk="0" hangingPunct="1">
+        <a:defRPr sz="992" kern="1200">
           <a:solidFill>
             <a:schemeClr val="tx1"/>
           </a:solidFill>
@@ -2932,8 +2934,8 @@
           <a:cs typeface="+mn-cs"/>
         </a:defRPr>
       </a:lvl8pPr>
-      <a:lvl9pPr marL="3657600" algn="l" defTabSz="914400" rtl="0" eaLnBrk="1" latinLnBrk="0" hangingPunct="1">
-        <a:defRPr sz="1800" kern="1200">
+      <a:lvl9pPr marL="2016069" algn="l" defTabSz="504017" rtl="0" eaLnBrk="1" latinLnBrk="0" hangingPunct="1">
+        <a:defRPr sz="992" kern="1200">
           <a:solidFill>
             <a:schemeClr val="tx1"/>
           </a:solidFill>
@@ -2972,8 +2974,8 @@
         </p:nvSpPr>
         <p:spPr>
           <a:xfrm>
-            <a:off x="3584864" y="1839191"/>
-            <a:ext cx="976745" cy="540327"/>
+            <a:off x="1875873" y="1662595"/>
+            <a:ext cx="1076907" cy="595736"/>
           </a:xfrm>
           <a:prstGeom prst="roundRect">
             <a:avLst/>
@@ -3009,15 +3011,19 @@
           </a:fontRef>
         </p:style>
         <p:txBody>
-          <a:bodyPr rtlCol="0" anchor="ctr"/>
+          <a:bodyPr rot="0" spcFirstLastPara="0" vertOverflow="overflow" horzOverflow="overflow" vert="horz" wrap="square" lIns="100817" tIns="50408" rIns="100817" bIns="50408" numCol="1" spcCol="0" rtlCol="0" fromWordArt="0" anchor="ctr" anchorCtr="0" forceAA="0" compatLnSpc="1">
+            <a:prstTxWarp prst="textNoShape">
+              <a:avLst/>
+            </a:prstTxWarp>
+            <a:noAutofit/>
+          </a:bodyPr>
           <a:lstStyle/>
           <a:p>
             <a:pPr algn="ctr"/>
             <a:r>
-              <a:rPr lang="zh-CN" altLang="en-US" dirty="0" smtClean="0"/>
+              <a:rPr lang="zh-CN" altLang="en-US" sz="1985" dirty="0"/>
               <a:t>服务器端仓库</a:t>
             </a:r>
-            <a:endParaRPr lang="zh-CN" altLang="en-US" dirty="0"/>
           </a:p>
         </p:txBody>
       </p:sp>
@@ -3029,8 +3035,8 @@
         </p:nvSpPr>
         <p:spPr>
           <a:xfrm>
-            <a:off x="3465367" y="3602182"/>
-            <a:ext cx="1215737" cy="540327"/>
+            <a:off x="1744122" y="3606374"/>
+            <a:ext cx="1340406" cy="595736"/>
           </a:xfrm>
           <a:prstGeom prst="roundRect">
             <a:avLst/>
@@ -3058,15 +3064,19 @@
           </a:fontRef>
         </p:style>
         <p:txBody>
-          <a:bodyPr rtlCol="0" anchor="ctr"/>
+          <a:bodyPr rot="0" spcFirstLastPara="0" vertOverflow="overflow" horzOverflow="overflow" vert="horz" wrap="square" lIns="100817" tIns="50408" rIns="100817" bIns="50408" numCol="1" spcCol="0" rtlCol="0" fromWordArt="0" anchor="ctr" anchorCtr="0" forceAA="0" compatLnSpc="1">
+            <a:prstTxWarp prst="textNoShape">
+              <a:avLst/>
+            </a:prstTxWarp>
+            <a:noAutofit/>
+          </a:bodyPr>
           <a:lstStyle/>
           <a:p>
             <a:pPr algn="ctr"/>
             <a:r>
-              <a:rPr lang="zh-CN" altLang="en-US" dirty="0" smtClean="0"/>
+              <a:rPr lang="zh-CN" altLang="en-US" sz="1985" dirty="0"/>
               <a:t>本地代码和仓库</a:t>
             </a:r>
-            <a:endParaRPr lang="zh-CN" altLang="en-US" dirty="0"/>
           </a:p>
         </p:txBody>
       </p:sp>
@@ -3078,8 +3088,8 @@
         </p:nvSpPr>
         <p:spPr>
           <a:xfrm>
-            <a:off x="3977118" y="623455"/>
-            <a:ext cx="192234" cy="1215736"/>
+            <a:off x="2308351" y="322190"/>
+            <a:ext cx="211947" cy="1340405"/>
           </a:xfrm>
           <a:prstGeom prst="downArrow">
             <a:avLst/>
@@ -3102,11 +3112,16 @@
           </a:fontRef>
         </p:style>
         <p:txBody>
-          <a:bodyPr rtlCol="0" anchor="ctr"/>
+          <a:bodyPr rot="0" spcFirstLastPara="0" vertOverflow="overflow" horzOverflow="overflow" vert="horz" wrap="square" lIns="100817" tIns="50408" rIns="100817" bIns="50408" numCol="1" spcCol="0" rtlCol="0" fromWordArt="0" anchor="ctr" anchorCtr="0" forceAA="0" compatLnSpc="1">
+            <a:prstTxWarp prst="textNoShape">
+              <a:avLst/>
+            </a:prstTxWarp>
+            <a:noAutofit/>
+          </a:bodyPr>
           <a:lstStyle/>
           <a:p>
             <a:pPr algn="ctr"/>
-            <a:endParaRPr lang="zh-CN" altLang="en-US"/>
+            <a:endParaRPr lang="zh-CN" altLang="en-US" sz="1985"/>
           </a:p>
         </p:txBody>
       </p:sp>
@@ -3118,8 +3133,8 @@
         </p:nvSpPr>
         <p:spPr>
           <a:xfrm>
-            <a:off x="4281055" y="1231323"/>
-            <a:ext cx="1974272" cy="646331"/>
+            <a:off x="2643455" y="992394"/>
+            <a:ext cx="2176726" cy="703269"/>
           </a:xfrm>
           <a:prstGeom prst="rect">
             <a:avLst/>
@@ -3133,22 +3148,21 @@
           <a:lstStyle/>
           <a:p>
             <a:r>
-              <a:rPr lang="en-US" altLang="zh-CN" dirty="0" smtClean="0"/>
+              <a:rPr lang="en-US" altLang="zh-CN" sz="1985" dirty="0"/>
               <a:t>①</a:t>
             </a:r>
             <a:r>
-              <a:rPr lang="zh-CN" altLang="en-US" dirty="0" smtClean="0"/>
+              <a:rPr lang="zh-CN" altLang="en-US" sz="1985" dirty="0"/>
               <a:t>在</a:t>
             </a:r>
             <a:r>
-              <a:rPr lang="en-US" altLang="zh-CN" dirty="0" smtClean="0"/>
+              <a:rPr lang="en-US" altLang="zh-CN" sz="1985" dirty="0"/>
               <a:t>github.com</a:t>
             </a:r>
             <a:r>
-              <a:rPr lang="zh-CN" altLang="en-US" dirty="0" smtClean="0"/>
+              <a:rPr lang="zh-CN" altLang="en-US" sz="1985" dirty="0"/>
               <a:t>创建项目仓库</a:t>
             </a:r>
-            <a:endParaRPr lang="zh-CN" altLang="en-US" dirty="0"/>
           </a:p>
         </p:txBody>
       </p:sp>
@@ -3160,8 +3174,8 @@
         </p:nvSpPr>
         <p:spPr>
           <a:xfrm>
-            <a:off x="3625127" y="2386446"/>
-            <a:ext cx="192234" cy="1215736"/>
+            <a:off x="1920264" y="2265970"/>
+            <a:ext cx="211947" cy="1340405"/>
           </a:xfrm>
           <a:prstGeom prst="downArrow">
             <a:avLst/>
@@ -3184,11 +3198,16 @@
           </a:fontRef>
         </p:style>
         <p:txBody>
-          <a:bodyPr rtlCol="0" anchor="ctr"/>
+          <a:bodyPr rot="0" spcFirstLastPara="0" vertOverflow="overflow" horzOverflow="overflow" vert="horz" wrap="square" lIns="100817" tIns="50408" rIns="100817" bIns="50408" numCol="1" spcCol="0" rtlCol="0" fromWordArt="0" anchor="ctr" anchorCtr="0" forceAA="0" compatLnSpc="1">
+            <a:prstTxWarp prst="textNoShape">
+              <a:avLst/>
+            </a:prstTxWarp>
+            <a:noAutofit/>
+          </a:bodyPr>
           <a:lstStyle/>
           <a:p>
             <a:pPr algn="ctr"/>
-            <a:endParaRPr lang="zh-CN" altLang="en-US"/>
+            <a:endParaRPr lang="zh-CN" altLang="en-US" sz="1985"/>
           </a:p>
         </p:txBody>
       </p:sp>
@@ -3200,8 +3219,8 @@
         </p:nvSpPr>
         <p:spPr>
           <a:xfrm>
-            <a:off x="2382416" y="2738689"/>
-            <a:ext cx="1338828" cy="646331"/>
+            <a:off x="550118" y="2654335"/>
+            <a:ext cx="1459054" cy="703269"/>
           </a:xfrm>
           <a:prstGeom prst="rect">
             <a:avLst/>
@@ -3215,20 +3234,15 @@
           <a:lstStyle/>
           <a:p>
             <a:r>
-              <a:rPr lang="en-US" altLang="zh-CN" dirty="0" smtClean="0"/>
-              <a:t>②</a:t>
-            </a:r>
-            <a:r>
-              <a:rPr lang="en-US" altLang="zh-CN" dirty="0" smtClean="0"/>
-              <a:t>Clone</a:t>
-            </a:r>
-          </a:p>
-          <a:p>
-            <a:r>
-              <a:rPr lang="zh-CN" altLang="en-US" dirty="0" smtClean="0"/>
+              <a:rPr lang="en-US" altLang="zh-CN" sz="1985" dirty="0"/>
+              <a:t>②Clone</a:t>
+            </a:r>
+          </a:p>
+          <a:p>
+            <a:r>
+              <a:rPr lang="zh-CN" altLang="en-US" sz="1985" dirty="0"/>
               <a:t>（本次无）</a:t>
             </a:r>
-            <a:endParaRPr lang="zh-CN" altLang="en-US" dirty="0"/>
           </a:p>
         </p:txBody>
       </p:sp>
@@ -3240,8 +3254,8 @@
         </p:nvSpPr>
         <p:spPr>
           <a:xfrm>
-            <a:off x="3505306" y="4253983"/>
-            <a:ext cx="1135857" cy="623455"/>
+            <a:off x="1788156" y="4325016"/>
+            <a:ext cx="1252335" cy="687388"/>
           </a:xfrm>
           <a:prstGeom prst="curvedUpArrow">
             <a:avLst/>
@@ -3264,11 +3278,16 @@
           </a:fontRef>
         </p:style>
         <p:txBody>
-          <a:bodyPr rtlCol="0" anchor="ctr"/>
+          <a:bodyPr rot="0" spcFirstLastPara="0" vertOverflow="overflow" horzOverflow="overflow" vert="horz" wrap="square" lIns="100817" tIns="50408" rIns="100817" bIns="50408" numCol="1" spcCol="0" rtlCol="0" fromWordArt="0" anchor="ctr" anchorCtr="0" forceAA="0" compatLnSpc="1">
+            <a:prstTxWarp prst="textNoShape">
+              <a:avLst/>
+            </a:prstTxWarp>
+            <a:noAutofit/>
+          </a:bodyPr>
           <a:lstStyle/>
           <a:p>
             <a:pPr algn="ctr"/>
-            <a:endParaRPr lang="zh-CN" altLang="en-US">
+            <a:endParaRPr lang="zh-CN" altLang="en-US" sz="1985">
               <a:solidFill>
                 <a:schemeClr val="tx1"/>
               </a:solidFill>
@@ -3284,8 +3303,8 @@
         </p:nvSpPr>
         <p:spPr>
           <a:xfrm>
-            <a:off x="3499938" y="5042007"/>
-            <a:ext cx="1338828" cy="369332"/>
+            <a:off x="1782237" y="5193849"/>
+            <a:ext cx="1459054" cy="397801"/>
           </a:xfrm>
           <a:prstGeom prst="rect">
             <a:avLst/>
@@ -3299,14 +3318,13 @@
           <a:lstStyle/>
           <a:p>
             <a:r>
-              <a:rPr lang="en-US" altLang="zh-CN" dirty="0" smtClean="0"/>
+              <a:rPr lang="en-US" altLang="zh-CN" sz="1985" dirty="0"/>
               <a:t>③</a:t>
             </a:r>
             <a:r>
-              <a:rPr lang="zh-CN" altLang="en-US" dirty="0" smtClean="0"/>
+              <a:rPr lang="zh-CN" altLang="en-US" sz="1985" dirty="0"/>
               <a:t>本地修改</a:t>
             </a:r>
-            <a:endParaRPr lang="zh-CN" altLang="en-US" dirty="0"/>
           </a:p>
         </p:txBody>
       </p:sp>
@@ -3318,8 +3336,8 @@
         </p:nvSpPr>
         <p:spPr>
           <a:xfrm>
-            <a:off x="4509005" y="2738689"/>
-            <a:ext cx="1414809" cy="646331"/>
+            <a:off x="2894781" y="2654334"/>
+            <a:ext cx="1559892" cy="703269"/>
           </a:xfrm>
           <a:prstGeom prst="rect">
             <a:avLst/>
@@ -3334,18 +3352,13 @@
           <a:p>
             <a:pPr algn="ctr"/>
             <a:r>
-              <a:rPr lang="en-US" altLang="zh-CN" dirty="0" smtClean="0"/>
-              <a:t>④</a:t>
-            </a:r>
-            <a:r>
-              <a:rPr lang="en-US" altLang="zh-CN" dirty="0" smtClean="0"/>
-              <a:t>push</a:t>
-            </a:r>
-            <a:r>
-              <a:rPr lang="zh-CN" altLang="en-US" dirty="0" smtClean="0"/>
+              <a:rPr lang="en-US" altLang="zh-CN" sz="1985" dirty="0"/>
+              <a:t>④push</a:t>
+            </a:r>
+            <a:r>
+              <a:rPr lang="zh-CN" altLang="en-US" sz="1985" dirty="0"/>
               <a:t>上传到服务器</a:t>
             </a:r>
-            <a:endParaRPr lang="zh-CN" altLang="en-US" dirty="0"/>
           </a:p>
         </p:txBody>
       </p:sp>
@@ -3357,8 +3370,8 @@
         </p:nvSpPr>
         <p:spPr>
           <a:xfrm>
-            <a:off x="4321969" y="2379518"/>
-            <a:ext cx="187036" cy="1215736"/>
+            <a:off x="2688565" y="2258332"/>
+            <a:ext cx="206216" cy="1340405"/>
           </a:xfrm>
           <a:prstGeom prst="upArrow">
             <a:avLst/>
@@ -3381,11 +3394,16 @@
           </a:fontRef>
         </p:style>
         <p:txBody>
-          <a:bodyPr rtlCol="0" anchor="ctr"/>
+          <a:bodyPr rot="0" spcFirstLastPara="0" vertOverflow="overflow" horzOverflow="overflow" vert="horz" wrap="square" lIns="100817" tIns="50408" rIns="100817" bIns="50408" numCol="1" spcCol="0" rtlCol="0" fromWordArt="0" anchor="ctr" anchorCtr="0" forceAA="0" compatLnSpc="1">
+            <a:prstTxWarp prst="textNoShape">
+              <a:avLst/>
+            </a:prstTxWarp>
+            <a:noAutofit/>
+          </a:bodyPr>
           <a:lstStyle/>
           <a:p>
             <a:pPr algn="ctr"/>
-            <a:endParaRPr lang="zh-CN" altLang="en-US"/>
+            <a:endParaRPr lang="zh-CN" altLang="en-US" sz="1985"/>
           </a:p>
         </p:txBody>
       </p:sp>
@@ -3399,13 +3417,20 @@
   <p:clrMapOvr>
     <a:masterClrMapping/>
   </p:clrMapOvr>
+  <p:timing>
+    <p:tnLst>
+      <p:par>
+        <p:cTn id="1" dur="indefinite" restart="never" nodeType="tmRoot"/>
+      </p:par>
+    </p:tnLst>
+  </p:timing>
 </p:sld>
 </file>
 
 <file path=ppt/theme/theme1.xml><?xml version="1.0" encoding="utf-8"?>
 <a:theme xmlns:a="http://schemas.openxmlformats.org/drawingml/2006/main" name="Office 主题">
   <a:themeElements>
-    <a:clrScheme name="Office">
+    <a:clrScheme name="Office 主题">
       <a:dk1>
         <a:sysClr val="windowText" lastClr="000000"/>
       </a:dk1>
@@ -3443,7 +3468,7 @@
         <a:srgbClr val="954F72"/>
       </a:folHlink>
     </a:clrScheme>
-    <a:fontScheme name="Office">
+    <a:fontScheme name="Office 主题">
       <a:majorFont>
         <a:latin typeface="Calibri Light" panose="020F0302020204030204"/>
         <a:ea typeface=""/>
@@ -3515,7 +3540,7 @@
         <a:font script="Geor" typeface="Sylfaen"/>
       </a:minorFont>
     </a:fontScheme>
-    <a:fmtScheme name="Office">
+    <a:fmtScheme name="Office 主题">
       <a:fillStyleLst>
         <a:solidFill>
           <a:schemeClr val="phClr"/>
